--- a/trunk/OOPExam/04 File IO, Object Streams and Exceptions.pptx
+++ b/trunk/OOPExam/04 File IO, Object Streams and Exceptions.pptx
@@ -4,6 +4,9 @@
   <p:sldMasterIdLst>
     <p:sldMasterId id="2147483648" r:id="rId1"/>
   </p:sldMasterIdLst>
+  <p:notesMasterIdLst>
+    <p:notesMasterId r:id="rId11"/>
+  </p:notesMasterIdLst>
   <p:sldIdLst>
     <p:sldId id="256" r:id="rId2"/>
     <p:sldId id="257" r:id="rId3"/>
@@ -113,6 +116,579 @@
     </a:lvl9pPr>
   </p:defaultTextStyle>
 </p:presentation>
+</file>
+
+<file path=ppt/notesMasters/notesMaster1.xml><?xml version="1.0" encoding="utf-8"?>
+<p:notesMaster xmlns:a="http://schemas.openxmlformats.org/drawingml/2006/main" xmlns:r="http://schemas.openxmlformats.org/officeDocument/2006/relationships" xmlns:p="http://schemas.openxmlformats.org/presentationml/2006/main">
+  <p:cSld>
+    <p:bg>
+      <p:bgRef idx="1001">
+        <a:schemeClr val="bg1"/>
+      </p:bgRef>
+    </p:bg>
+    <p:spTree>
+      <p:nvGrpSpPr>
+        <p:cNvPr id="1" name=""/>
+        <p:cNvGrpSpPr/>
+        <p:nvPr/>
+      </p:nvGrpSpPr>
+      <p:grpSpPr>
+        <a:xfrm>
+          <a:off x="0" y="0"/>
+          <a:ext cx="0" cy="0"/>
+          <a:chOff x="0" y="0"/>
+          <a:chExt cx="0" cy="0"/>
+        </a:xfrm>
+      </p:grpSpPr>
+      <p:sp>
+        <p:nvSpPr>
+          <p:cNvPr id="2" name="Header Placeholder 1"/>
+          <p:cNvSpPr>
+            <a:spLocks noGrp="1"/>
+          </p:cNvSpPr>
+          <p:nvPr>
+            <p:ph type="hdr" sz="quarter"/>
+          </p:nvPr>
+        </p:nvSpPr>
+        <p:spPr>
+          <a:xfrm>
+            <a:off x="0" y="0"/>
+            <a:ext cx="2971800" cy="457200"/>
+          </a:xfrm>
+          <a:prstGeom prst="rect">
+            <a:avLst/>
+          </a:prstGeom>
+        </p:spPr>
+        <p:txBody>
+          <a:bodyPr vert="horz" lIns="91440" tIns="45720" rIns="91440" bIns="45720" rtlCol="0"/>
+          <a:lstStyle>
+            <a:lvl1pPr algn="l">
+              <a:defRPr sz="1200"/>
+            </a:lvl1pPr>
+          </a:lstStyle>
+          <a:p>
+            <a:endParaRPr lang="en-US"/>
+          </a:p>
+        </p:txBody>
+      </p:sp>
+      <p:sp>
+        <p:nvSpPr>
+          <p:cNvPr id="3" name="Date Placeholder 2"/>
+          <p:cNvSpPr>
+            <a:spLocks noGrp="1"/>
+          </p:cNvSpPr>
+          <p:nvPr>
+            <p:ph type="dt" idx="1"/>
+          </p:nvPr>
+        </p:nvSpPr>
+        <p:spPr>
+          <a:xfrm>
+            <a:off x="3884613" y="0"/>
+            <a:ext cx="2971800" cy="457200"/>
+          </a:xfrm>
+          <a:prstGeom prst="rect">
+            <a:avLst/>
+          </a:prstGeom>
+        </p:spPr>
+        <p:txBody>
+          <a:bodyPr vert="horz" lIns="91440" tIns="45720" rIns="91440" bIns="45720" rtlCol="0"/>
+          <a:lstStyle>
+            <a:lvl1pPr algn="r">
+              <a:defRPr sz="1200"/>
+            </a:lvl1pPr>
+          </a:lstStyle>
+          <a:p>
+            <a:fld id="{962043F3-DC44-4CC8-A11D-CDB7A8DD7CEA}" type="datetimeFigureOut">
+              <a:rPr lang="en-US" smtClean="0"/>
+              <a:t>1/12/2010</a:t>
+            </a:fld>
+            <a:endParaRPr lang="en-US"/>
+          </a:p>
+        </p:txBody>
+      </p:sp>
+      <p:sp>
+        <p:nvSpPr>
+          <p:cNvPr id="4" name="Slide Image Placeholder 3"/>
+          <p:cNvSpPr>
+            <a:spLocks noGrp="1" noRot="1" noChangeAspect="1"/>
+          </p:cNvSpPr>
+          <p:nvPr>
+            <p:ph type="sldImg" idx="2"/>
+          </p:nvPr>
+        </p:nvSpPr>
+        <p:spPr>
+          <a:xfrm>
+            <a:off x="1143000" y="685800"/>
+            <a:ext cx="4572000" cy="3429000"/>
+          </a:xfrm>
+          <a:prstGeom prst="rect">
+            <a:avLst/>
+          </a:prstGeom>
+          <a:noFill/>
+          <a:ln w="12700">
+            <a:solidFill>
+              <a:prstClr val="black"/>
+            </a:solidFill>
+          </a:ln>
+        </p:spPr>
+        <p:txBody>
+          <a:bodyPr vert="horz" lIns="91440" tIns="45720" rIns="91440" bIns="45720" rtlCol="0" anchor="ctr"/>
+          <a:lstStyle/>
+          <a:p>
+            <a:endParaRPr lang="en-US"/>
+          </a:p>
+        </p:txBody>
+      </p:sp>
+      <p:sp>
+        <p:nvSpPr>
+          <p:cNvPr id="5" name="Notes Placeholder 4"/>
+          <p:cNvSpPr>
+            <a:spLocks noGrp="1"/>
+          </p:cNvSpPr>
+          <p:nvPr>
+            <p:ph type="body" sz="quarter" idx="3"/>
+          </p:nvPr>
+        </p:nvSpPr>
+        <p:spPr>
+          <a:xfrm>
+            <a:off x="685800" y="4343400"/>
+            <a:ext cx="5486400" cy="4114800"/>
+          </a:xfrm>
+          <a:prstGeom prst="rect">
+            <a:avLst/>
+          </a:prstGeom>
+        </p:spPr>
+        <p:txBody>
+          <a:bodyPr vert="horz" lIns="91440" tIns="45720" rIns="91440" bIns="45720" rtlCol="0">
+            <a:normAutofit/>
+          </a:bodyPr>
+          <a:lstStyle/>
+          <a:p>
+            <a:pPr lvl="0"/>
+            <a:r>
+              <a:rPr lang="en-US" smtClean="0"/>
+              <a:t>Click to edit Master text styles</a:t>
+            </a:r>
+          </a:p>
+          <a:p>
+            <a:pPr lvl="1"/>
+            <a:r>
+              <a:rPr lang="en-US" smtClean="0"/>
+              <a:t>Second level</a:t>
+            </a:r>
+          </a:p>
+          <a:p>
+            <a:pPr lvl="2"/>
+            <a:r>
+              <a:rPr lang="en-US" smtClean="0"/>
+              <a:t>Third level</a:t>
+            </a:r>
+          </a:p>
+          <a:p>
+            <a:pPr lvl="3"/>
+            <a:r>
+              <a:rPr lang="en-US" smtClean="0"/>
+              <a:t>Fourth level</a:t>
+            </a:r>
+          </a:p>
+          <a:p>
+            <a:pPr lvl="4"/>
+            <a:r>
+              <a:rPr lang="en-US" smtClean="0"/>
+              <a:t>Fifth level</a:t>
+            </a:r>
+            <a:endParaRPr lang="en-US"/>
+          </a:p>
+        </p:txBody>
+      </p:sp>
+      <p:sp>
+        <p:nvSpPr>
+          <p:cNvPr id="6" name="Footer Placeholder 5"/>
+          <p:cNvSpPr>
+            <a:spLocks noGrp="1"/>
+          </p:cNvSpPr>
+          <p:nvPr>
+            <p:ph type="ftr" sz="quarter" idx="4"/>
+          </p:nvPr>
+        </p:nvSpPr>
+        <p:spPr>
+          <a:xfrm>
+            <a:off x="0" y="8685213"/>
+            <a:ext cx="2971800" cy="457200"/>
+          </a:xfrm>
+          <a:prstGeom prst="rect">
+            <a:avLst/>
+          </a:prstGeom>
+        </p:spPr>
+        <p:txBody>
+          <a:bodyPr vert="horz" lIns="91440" tIns="45720" rIns="91440" bIns="45720" rtlCol="0" anchor="b"/>
+          <a:lstStyle>
+            <a:lvl1pPr algn="l">
+              <a:defRPr sz="1200"/>
+            </a:lvl1pPr>
+          </a:lstStyle>
+          <a:p>
+            <a:endParaRPr lang="en-US"/>
+          </a:p>
+        </p:txBody>
+      </p:sp>
+      <p:sp>
+        <p:nvSpPr>
+          <p:cNvPr id="7" name="Slide Number Placeholder 6"/>
+          <p:cNvSpPr>
+            <a:spLocks noGrp="1"/>
+          </p:cNvSpPr>
+          <p:nvPr>
+            <p:ph type="sldNum" sz="quarter" idx="5"/>
+          </p:nvPr>
+        </p:nvSpPr>
+        <p:spPr>
+          <a:xfrm>
+            <a:off x="3884613" y="8685213"/>
+            <a:ext cx="2971800" cy="457200"/>
+          </a:xfrm>
+          <a:prstGeom prst="rect">
+            <a:avLst/>
+          </a:prstGeom>
+        </p:spPr>
+        <p:txBody>
+          <a:bodyPr vert="horz" lIns="91440" tIns="45720" rIns="91440" bIns="45720" rtlCol="0" anchor="b"/>
+          <a:lstStyle>
+            <a:lvl1pPr algn="r">
+              <a:defRPr sz="1200"/>
+            </a:lvl1pPr>
+          </a:lstStyle>
+          <a:p>
+            <a:fld id="{4FD341E5-9E5E-46A0-9578-2DC388B5496E}" type="slidenum">
+              <a:rPr lang="en-US" smtClean="0"/>
+              <a:t>‹#›</a:t>
+            </a:fld>
+            <a:endParaRPr lang="en-US"/>
+          </a:p>
+        </p:txBody>
+      </p:sp>
+    </p:spTree>
+  </p:cSld>
+  <p:clrMap bg1="lt1" tx1="dk1" bg2="lt2" tx2="dk2" accent1="accent1" accent2="accent2" accent3="accent3" accent4="accent4" accent5="accent5" accent6="accent6" hlink="hlink" folHlink="folHlink"/>
+  <p:notesStyle>
+    <a:lvl1pPr marL="0" algn="l" defTabSz="914400" rtl="0" eaLnBrk="1" latinLnBrk="0" hangingPunct="1">
+      <a:defRPr sz="1200" kern="1200">
+        <a:solidFill>
+          <a:schemeClr val="tx1"/>
+        </a:solidFill>
+        <a:latin typeface="+mn-lt"/>
+        <a:ea typeface="+mn-ea"/>
+        <a:cs typeface="+mn-cs"/>
+      </a:defRPr>
+    </a:lvl1pPr>
+    <a:lvl2pPr marL="457200" algn="l" defTabSz="914400" rtl="0" eaLnBrk="1" latinLnBrk="0" hangingPunct="1">
+      <a:defRPr sz="1200" kern="1200">
+        <a:solidFill>
+          <a:schemeClr val="tx1"/>
+        </a:solidFill>
+        <a:latin typeface="+mn-lt"/>
+        <a:ea typeface="+mn-ea"/>
+        <a:cs typeface="+mn-cs"/>
+      </a:defRPr>
+    </a:lvl2pPr>
+    <a:lvl3pPr marL="914400" algn="l" defTabSz="914400" rtl="0" eaLnBrk="1" latinLnBrk="0" hangingPunct="1">
+      <a:defRPr sz="1200" kern="1200">
+        <a:solidFill>
+          <a:schemeClr val="tx1"/>
+        </a:solidFill>
+        <a:latin typeface="+mn-lt"/>
+        <a:ea typeface="+mn-ea"/>
+        <a:cs typeface="+mn-cs"/>
+      </a:defRPr>
+    </a:lvl3pPr>
+    <a:lvl4pPr marL="1371600" algn="l" defTabSz="914400" rtl="0" eaLnBrk="1" latinLnBrk="0" hangingPunct="1">
+      <a:defRPr sz="1200" kern="1200">
+        <a:solidFill>
+          <a:schemeClr val="tx1"/>
+        </a:solidFill>
+        <a:latin typeface="+mn-lt"/>
+        <a:ea typeface="+mn-ea"/>
+        <a:cs typeface="+mn-cs"/>
+      </a:defRPr>
+    </a:lvl4pPr>
+    <a:lvl5pPr marL="1828800" algn="l" defTabSz="914400" rtl="0" eaLnBrk="1" latinLnBrk="0" hangingPunct="1">
+      <a:defRPr sz="1200" kern="1200">
+        <a:solidFill>
+          <a:schemeClr val="tx1"/>
+        </a:solidFill>
+        <a:latin typeface="+mn-lt"/>
+        <a:ea typeface="+mn-ea"/>
+        <a:cs typeface="+mn-cs"/>
+      </a:defRPr>
+    </a:lvl5pPr>
+    <a:lvl6pPr marL="2286000" algn="l" defTabSz="914400" rtl="0" eaLnBrk="1" latinLnBrk="0" hangingPunct="1">
+      <a:defRPr sz="1200" kern="1200">
+        <a:solidFill>
+          <a:schemeClr val="tx1"/>
+        </a:solidFill>
+        <a:latin typeface="+mn-lt"/>
+        <a:ea typeface="+mn-ea"/>
+        <a:cs typeface="+mn-cs"/>
+      </a:defRPr>
+    </a:lvl6pPr>
+    <a:lvl7pPr marL="2743200" algn="l" defTabSz="914400" rtl="0" eaLnBrk="1" latinLnBrk="0" hangingPunct="1">
+      <a:defRPr sz="1200" kern="1200">
+        <a:solidFill>
+          <a:schemeClr val="tx1"/>
+        </a:solidFill>
+        <a:latin typeface="+mn-lt"/>
+        <a:ea typeface="+mn-ea"/>
+        <a:cs typeface="+mn-cs"/>
+      </a:defRPr>
+    </a:lvl7pPr>
+    <a:lvl8pPr marL="3200400" algn="l" defTabSz="914400" rtl="0" eaLnBrk="1" latinLnBrk="0" hangingPunct="1">
+      <a:defRPr sz="1200" kern="1200">
+        <a:solidFill>
+          <a:schemeClr val="tx1"/>
+        </a:solidFill>
+        <a:latin typeface="+mn-lt"/>
+        <a:ea typeface="+mn-ea"/>
+        <a:cs typeface="+mn-cs"/>
+      </a:defRPr>
+    </a:lvl8pPr>
+    <a:lvl9pPr marL="3657600" algn="l" defTabSz="914400" rtl="0" eaLnBrk="1" latinLnBrk="0" hangingPunct="1">
+      <a:defRPr sz="1200" kern="1200">
+        <a:solidFill>
+          <a:schemeClr val="tx1"/>
+        </a:solidFill>
+        <a:latin typeface="+mn-lt"/>
+        <a:ea typeface="+mn-ea"/>
+        <a:cs typeface="+mn-cs"/>
+      </a:defRPr>
+    </a:lvl9pPr>
+  </p:notesStyle>
+</p:notesMaster>
+</file>
+
+<file path=ppt/notesSlides/notesSlide1.xml><?xml version="1.0" encoding="utf-8"?>
+<p:notes xmlns:a="http://schemas.openxmlformats.org/drawingml/2006/main" xmlns:r="http://schemas.openxmlformats.org/officeDocument/2006/relationships" xmlns:p="http://schemas.openxmlformats.org/presentationml/2006/main">
+  <p:cSld>
+    <p:spTree>
+      <p:nvGrpSpPr>
+        <p:cNvPr id="1" name=""/>
+        <p:cNvGrpSpPr/>
+        <p:nvPr/>
+      </p:nvGrpSpPr>
+      <p:grpSpPr>
+        <a:xfrm>
+          <a:off x="0" y="0"/>
+          <a:ext cx="0" cy="0"/>
+          <a:chOff x="0" y="0"/>
+          <a:chExt cx="0" cy="0"/>
+        </a:xfrm>
+      </p:grpSpPr>
+      <p:sp>
+        <p:nvSpPr>
+          <p:cNvPr id="2" name="Slide Image Placeholder 1"/>
+          <p:cNvSpPr>
+            <a:spLocks noGrp="1" noRot="1" noChangeAspect="1"/>
+          </p:cNvSpPr>
+          <p:nvPr>
+            <p:ph type="sldImg"/>
+          </p:nvPr>
+        </p:nvSpPr>
+        <p:spPr/>
+      </p:sp>
+      <p:sp>
+        <p:nvSpPr>
+          <p:cNvPr id="3" name="Notes Placeholder 2"/>
+          <p:cNvSpPr>
+            <a:spLocks noGrp="1"/>
+          </p:cNvSpPr>
+          <p:nvPr>
+            <p:ph type="body" idx="1"/>
+          </p:nvPr>
+        </p:nvSpPr>
+        <p:spPr/>
+        <p:txBody>
+          <a:bodyPr>
+            <a:normAutofit/>
+          </a:bodyPr>
+          <a:lstStyle/>
+          <a:p>
+            <a:r>
+              <a:rPr lang="en-US" sz="1200" kern="1200" dirty="0" smtClean="0">
+                <a:solidFill>
+                  <a:schemeClr val="tx1"/>
+                </a:solidFill>
+                <a:latin typeface="+mn-lt"/>
+                <a:ea typeface="+mn-ea"/>
+                <a:cs typeface="+mn-cs"/>
+              </a:rPr>
+              <a:t>Give an explanation for file I/O, object streams and exceptions</a:t>
+            </a:r>
+          </a:p>
+          <a:p>
+            <a:r>
+              <a:rPr lang="en-US" sz="1200" kern="1200" dirty="0" smtClean="0">
+                <a:solidFill>
+                  <a:schemeClr val="tx1"/>
+                </a:solidFill>
+                <a:latin typeface="+mn-lt"/>
+                <a:ea typeface="+mn-ea"/>
+                <a:cs typeface="+mn-cs"/>
+              </a:rPr>
+              <a:t> </a:t>
+            </a:r>
+          </a:p>
+          <a:p>
+            <a:r>
+              <a:rPr lang="en-US" sz="1200" kern="1200" dirty="0" smtClean="0">
+                <a:solidFill>
+                  <a:schemeClr val="tx1"/>
+                </a:solidFill>
+                <a:latin typeface="+mn-lt"/>
+                <a:ea typeface="+mn-ea"/>
+                <a:cs typeface="+mn-cs"/>
+              </a:rPr>
+              <a:t>Relevant theoretical decisions</a:t>
+            </a:r>
+          </a:p>
+          <a:p>
+            <a:pPr lvl="0"/>
+            <a:r>
+              <a:rPr lang="en-US" sz="1200" kern="1200" dirty="0" smtClean="0">
+                <a:solidFill>
+                  <a:schemeClr val="tx1"/>
+                </a:solidFill>
+                <a:latin typeface="+mn-lt"/>
+                <a:ea typeface="+mn-ea"/>
+                <a:cs typeface="+mn-cs"/>
+              </a:rPr>
+              <a:t>What is the purpose of data files and how is it used in a C# program?</a:t>
+            </a:r>
+          </a:p>
+          <a:p>
+            <a:pPr lvl="0"/>
+            <a:r>
+              <a:rPr lang="en-US" sz="1200" kern="1200" dirty="0" smtClean="0">
+                <a:solidFill>
+                  <a:schemeClr val="tx1"/>
+                </a:solidFill>
+                <a:latin typeface="+mn-lt"/>
+                <a:ea typeface="+mn-ea"/>
+                <a:cs typeface="+mn-cs"/>
+              </a:rPr>
+              <a:t>Name some common file types used for storing data</a:t>
+            </a:r>
+          </a:p>
+          <a:p>
+            <a:pPr lvl="0"/>
+            <a:r>
+              <a:rPr lang="en-US" sz="1200" kern="1200" dirty="0" smtClean="0">
+                <a:solidFill>
+                  <a:schemeClr val="tx1"/>
+                </a:solidFill>
+                <a:latin typeface="+mn-lt"/>
+                <a:ea typeface="+mn-ea"/>
+                <a:cs typeface="+mn-cs"/>
+              </a:rPr>
+              <a:t>How can you store and load objects on files?</a:t>
+            </a:r>
+          </a:p>
+          <a:p>
+            <a:pPr lvl="0"/>
+            <a:r>
+              <a:rPr lang="en-US" sz="1200" kern="1200" dirty="0" smtClean="0">
+                <a:solidFill>
+                  <a:schemeClr val="tx1"/>
+                </a:solidFill>
+                <a:latin typeface="+mn-lt"/>
+                <a:ea typeface="+mn-ea"/>
+                <a:cs typeface="+mn-cs"/>
+              </a:rPr>
+              <a:t>What is exception handling?</a:t>
+            </a:r>
+          </a:p>
+          <a:p>
+            <a:pPr lvl="0"/>
+            <a:r>
+              <a:rPr lang="en-US" sz="1200" kern="1200" dirty="0" smtClean="0">
+                <a:solidFill>
+                  <a:schemeClr val="tx1"/>
+                </a:solidFill>
+                <a:latin typeface="+mn-lt"/>
+                <a:ea typeface="+mn-ea"/>
+                <a:cs typeface="+mn-cs"/>
+              </a:rPr>
+              <a:t>Is it necessary to handle exceptions in a C# program?</a:t>
+            </a:r>
+          </a:p>
+          <a:p>
+            <a:pPr lvl="0"/>
+            <a:r>
+              <a:rPr lang="en-US" sz="1200" kern="1200" dirty="0" smtClean="0">
+                <a:solidFill>
+                  <a:schemeClr val="tx1"/>
+                </a:solidFill>
+                <a:latin typeface="+mn-lt"/>
+                <a:ea typeface="+mn-ea"/>
+                <a:cs typeface="+mn-cs"/>
+              </a:rPr>
+              <a:t>What is the difference of caught and uncaught exception?</a:t>
+            </a:r>
+          </a:p>
+          <a:p>
+            <a:pPr lvl="0"/>
+            <a:r>
+              <a:rPr lang="en-US" sz="1200" kern="1200" dirty="0" smtClean="0">
+                <a:solidFill>
+                  <a:schemeClr val="tx1"/>
+                </a:solidFill>
+                <a:latin typeface="+mn-lt"/>
+                <a:ea typeface="+mn-ea"/>
+                <a:cs typeface="+mn-cs"/>
+              </a:rPr>
+              <a:t>How can exception in a C# program be handled?</a:t>
+            </a:r>
+            <a:endParaRPr lang="en-US" sz="1200" kern="1200" smtClean="0">
+              <a:solidFill>
+                <a:schemeClr val="tx1"/>
+              </a:solidFill>
+              <a:latin typeface="+mn-lt"/>
+              <a:ea typeface="+mn-ea"/>
+              <a:cs typeface="+mn-cs"/>
+            </a:endParaRPr>
+          </a:p>
+          <a:p>
+            <a:endParaRPr lang="en-US"/>
+          </a:p>
+        </p:txBody>
+      </p:sp>
+      <p:sp>
+        <p:nvSpPr>
+          <p:cNvPr id="4" name="Slide Number Placeholder 3"/>
+          <p:cNvSpPr>
+            <a:spLocks noGrp="1"/>
+          </p:cNvSpPr>
+          <p:nvPr>
+            <p:ph type="sldNum" sz="quarter" idx="10"/>
+          </p:nvPr>
+        </p:nvSpPr>
+        <p:spPr/>
+        <p:txBody>
+          <a:bodyPr/>
+          <a:lstStyle/>
+          <a:p>
+            <a:fld id="{4FD341E5-9E5E-46A0-9578-2DC388B5496E}" type="slidenum">
+              <a:rPr lang="en-US" smtClean="0"/>
+              <a:t>1</a:t>
+            </a:fld>
+            <a:endParaRPr lang="en-US"/>
+          </a:p>
+        </p:txBody>
+      </p:sp>
+    </p:spTree>
+  </p:cSld>
+  <p:clrMapOvr>
+    <a:masterClrMapping/>
+  </p:clrMapOvr>
+</p:notes>
 </file>
 
 <file path=ppt/slideLayouts/slideLayout1.xml><?xml version="1.0" encoding="utf-8"?>
@@ -4091,4 +4667,287 @@
   <a:objectDefaults/>
   <a:extraClrSchemeLst/>
 </a:theme>
+</file>
+
+<file path=ppt/theme/theme2.xml><?xml version="1.0" encoding="utf-8"?>
+<a:theme xmlns:a="http://schemas.openxmlformats.org/drawingml/2006/main" name="Office Theme">
+  <a:themeElements>
+    <a:clrScheme name="Office">
+      <a:dk1>
+        <a:sysClr val="windowText" lastClr="000000"/>
+      </a:dk1>
+      <a:lt1>
+        <a:sysClr val="window" lastClr="FFFFFF"/>
+      </a:lt1>
+      <a:dk2>
+        <a:srgbClr val="1F497D"/>
+      </a:dk2>
+      <a:lt2>
+        <a:srgbClr val="EEECE1"/>
+      </a:lt2>
+      <a:accent1>
+        <a:srgbClr val="4F81BD"/>
+      </a:accent1>
+      <a:accent2>
+        <a:srgbClr val="C0504D"/>
+      </a:accent2>
+      <a:accent3>
+        <a:srgbClr val="9BBB59"/>
+      </a:accent3>
+      <a:accent4>
+        <a:srgbClr val="8064A2"/>
+      </a:accent4>
+      <a:accent5>
+        <a:srgbClr val="4BACC6"/>
+      </a:accent5>
+      <a:accent6>
+        <a:srgbClr val="F79646"/>
+      </a:accent6>
+      <a:hlink>
+        <a:srgbClr val="0000FF"/>
+      </a:hlink>
+      <a:folHlink>
+        <a:srgbClr val="800080"/>
+      </a:folHlink>
+    </a:clrScheme>
+    <a:fontScheme name="Office">
+      <a:majorFont>
+        <a:latin typeface="Calibri"/>
+        <a:ea typeface=""/>
+        <a:cs typeface=""/>
+        <a:font script="Jpan" typeface="ＭＳ Ｐゴシック"/>
+        <a:font script="Hang" typeface="맑은 고딕"/>
+        <a:font script="Hans" typeface="宋体"/>
+        <a:font script="Hant" typeface="新細明體"/>
+        <a:font script="Arab" typeface="Times New Roman"/>
+        <a:font script="Hebr" typeface="Times New Roman"/>
+        <a:font script="Thai" typeface="Angsana New"/>
+        <a:font script="Ethi" typeface="Nyala"/>
+        <a:font script="Beng" typeface="Vrinda"/>
+        <a:font script="Gujr" typeface="Shruti"/>
+        <a:font script="Khmr" typeface="MoolBoran"/>
+        <a:font script="Knda" typeface="Tunga"/>
+        <a:font script="Guru" typeface="Raavi"/>
+        <a:font script="Cans" typeface="Euphemia"/>
+        <a:font script="Cher" typeface="Plantagenet Cherokee"/>
+        <a:font script="Yiii" typeface="Microsoft Yi Baiti"/>
+        <a:font script="Tibt" typeface="Microsoft Himalaya"/>
+        <a:font script="Thaa" typeface="MV Boli"/>
+        <a:font script="Deva" typeface="Mangal"/>
+        <a:font script="Telu" typeface="Gautami"/>
+        <a:font script="Taml" typeface="Latha"/>
+        <a:font script="Syrc" typeface="Estrangelo Edessa"/>
+        <a:font script="Orya" typeface="Kalinga"/>
+        <a:font script="Mlym" typeface="Kartika"/>
+        <a:font script="Laoo" typeface="DokChampa"/>
+        <a:font script="Sinh" typeface="Iskoola Pota"/>
+        <a:font script="Mong" typeface="Mongolian Baiti"/>
+        <a:font script="Viet" typeface="Times New Roman"/>
+        <a:font script="Uigh" typeface="Microsoft Uighur"/>
+      </a:majorFont>
+      <a:minorFont>
+        <a:latin typeface="Calibri"/>
+        <a:ea typeface=""/>
+        <a:cs typeface=""/>
+        <a:font script="Jpan" typeface="ＭＳ Ｐゴシック"/>
+        <a:font script="Hang" typeface="맑은 고딕"/>
+        <a:font script="Hans" typeface="宋体"/>
+        <a:font script="Hant" typeface="新細明體"/>
+        <a:font script="Arab" typeface="Arial"/>
+        <a:font script="Hebr" typeface="Arial"/>
+        <a:font script="Thai" typeface="Cordia New"/>
+        <a:font script="Ethi" typeface="Nyala"/>
+        <a:font script="Beng" typeface="Vrinda"/>
+        <a:font script="Gujr" typeface="Shruti"/>
+        <a:font script="Khmr" typeface="DaunPenh"/>
+        <a:font script="Knda" typeface="Tunga"/>
+        <a:font script="Guru" typeface="Raavi"/>
+        <a:font script="Cans" typeface="Euphemia"/>
+        <a:font script="Cher" typeface="Plantagenet Cherokee"/>
+        <a:font script="Yiii" typeface="Microsoft Yi Baiti"/>
+        <a:font script="Tibt" typeface="Microsoft Himalaya"/>
+        <a:font script="Thaa" typeface="MV Boli"/>
+        <a:font script="Deva" typeface="Mangal"/>
+        <a:font script="Telu" typeface="Gautami"/>
+        <a:font script="Taml" typeface="Latha"/>
+        <a:font script="Syrc" typeface="Estrangelo Edessa"/>
+        <a:font script="Orya" typeface="Kalinga"/>
+        <a:font script="Mlym" typeface="Kartika"/>
+        <a:font script="Laoo" typeface="DokChampa"/>
+        <a:font script="Sinh" typeface="Iskoola Pota"/>
+        <a:font script="Mong" typeface="Mongolian Baiti"/>
+        <a:font script="Viet" typeface="Arial"/>
+        <a:font script="Uigh" typeface="Microsoft Uighur"/>
+      </a:minorFont>
+    </a:fontScheme>
+    <a:fmtScheme name="Office">
+      <a:fillStyleLst>
+        <a:solidFill>
+          <a:schemeClr val="phClr"/>
+        </a:solidFill>
+        <a:gradFill rotWithShape="1">
+          <a:gsLst>
+            <a:gs pos="0">
+              <a:schemeClr val="phClr">
+                <a:tint val="50000"/>
+                <a:satMod val="300000"/>
+              </a:schemeClr>
+            </a:gs>
+            <a:gs pos="35000">
+              <a:schemeClr val="phClr">
+                <a:tint val="37000"/>
+                <a:satMod val="300000"/>
+              </a:schemeClr>
+            </a:gs>
+            <a:gs pos="100000">
+              <a:schemeClr val="phClr">
+                <a:tint val="15000"/>
+                <a:satMod val="350000"/>
+              </a:schemeClr>
+            </a:gs>
+          </a:gsLst>
+          <a:lin ang="16200000" scaled="1"/>
+        </a:gradFill>
+        <a:gradFill rotWithShape="1">
+          <a:gsLst>
+            <a:gs pos="0">
+              <a:schemeClr val="phClr">
+                <a:shade val="51000"/>
+                <a:satMod val="130000"/>
+              </a:schemeClr>
+            </a:gs>
+            <a:gs pos="80000">
+              <a:schemeClr val="phClr">
+                <a:shade val="93000"/>
+                <a:satMod val="130000"/>
+              </a:schemeClr>
+            </a:gs>
+            <a:gs pos="100000">
+              <a:schemeClr val="phClr">
+                <a:shade val="94000"/>
+                <a:satMod val="135000"/>
+              </a:schemeClr>
+            </a:gs>
+          </a:gsLst>
+          <a:lin ang="16200000" scaled="0"/>
+        </a:gradFill>
+      </a:fillStyleLst>
+      <a:lnStyleLst>
+        <a:ln w="9525" cap="flat" cmpd="sng" algn="ctr">
+          <a:solidFill>
+            <a:schemeClr val="phClr">
+              <a:shade val="95000"/>
+              <a:satMod val="105000"/>
+            </a:schemeClr>
+          </a:solidFill>
+          <a:prstDash val="solid"/>
+        </a:ln>
+        <a:ln w="25400" cap="flat" cmpd="sng" algn="ctr">
+          <a:solidFill>
+            <a:schemeClr val="phClr"/>
+          </a:solidFill>
+          <a:prstDash val="solid"/>
+        </a:ln>
+        <a:ln w="38100" cap="flat" cmpd="sng" algn="ctr">
+          <a:solidFill>
+            <a:schemeClr val="phClr"/>
+          </a:solidFill>
+          <a:prstDash val="solid"/>
+        </a:ln>
+      </a:lnStyleLst>
+      <a:effectStyleLst>
+        <a:effectStyle>
+          <a:effectLst>
+            <a:outerShdw blurRad="40000" dist="20000" dir="5400000" rotWithShape="0">
+              <a:srgbClr val="000000">
+                <a:alpha val="38000"/>
+              </a:srgbClr>
+            </a:outerShdw>
+          </a:effectLst>
+        </a:effectStyle>
+        <a:effectStyle>
+          <a:effectLst>
+            <a:outerShdw blurRad="40000" dist="23000" dir="5400000" rotWithShape="0">
+              <a:srgbClr val="000000">
+                <a:alpha val="35000"/>
+              </a:srgbClr>
+            </a:outerShdw>
+          </a:effectLst>
+        </a:effectStyle>
+        <a:effectStyle>
+          <a:effectLst>
+            <a:outerShdw blurRad="40000" dist="23000" dir="5400000" rotWithShape="0">
+              <a:srgbClr val="000000">
+                <a:alpha val="35000"/>
+              </a:srgbClr>
+            </a:outerShdw>
+          </a:effectLst>
+          <a:scene3d>
+            <a:camera prst="orthographicFront">
+              <a:rot lat="0" lon="0" rev="0"/>
+            </a:camera>
+            <a:lightRig rig="threePt" dir="t">
+              <a:rot lat="0" lon="0" rev="1200000"/>
+            </a:lightRig>
+          </a:scene3d>
+          <a:sp3d>
+            <a:bevelT w="63500" h="25400"/>
+          </a:sp3d>
+        </a:effectStyle>
+      </a:effectStyleLst>
+      <a:bgFillStyleLst>
+        <a:solidFill>
+          <a:schemeClr val="phClr"/>
+        </a:solidFill>
+        <a:gradFill rotWithShape="1">
+          <a:gsLst>
+            <a:gs pos="0">
+              <a:schemeClr val="phClr">
+                <a:tint val="40000"/>
+                <a:satMod val="350000"/>
+              </a:schemeClr>
+            </a:gs>
+            <a:gs pos="40000">
+              <a:schemeClr val="phClr">
+                <a:tint val="45000"/>
+                <a:shade val="99000"/>
+                <a:satMod val="350000"/>
+              </a:schemeClr>
+            </a:gs>
+            <a:gs pos="100000">
+              <a:schemeClr val="phClr">
+                <a:shade val="20000"/>
+                <a:satMod val="255000"/>
+              </a:schemeClr>
+            </a:gs>
+          </a:gsLst>
+          <a:path path="circle">
+            <a:fillToRect l="50000" t="-80000" r="50000" b="180000"/>
+          </a:path>
+        </a:gradFill>
+        <a:gradFill rotWithShape="1">
+          <a:gsLst>
+            <a:gs pos="0">
+              <a:schemeClr val="phClr">
+                <a:tint val="80000"/>
+                <a:satMod val="300000"/>
+              </a:schemeClr>
+            </a:gs>
+            <a:gs pos="100000">
+              <a:schemeClr val="phClr">
+                <a:shade val="30000"/>
+                <a:satMod val="200000"/>
+              </a:schemeClr>
+            </a:gs>
+          </a:gsLst>
+          <a:path path="circle">
+            <a:fillToRect l="50000" t="50000" r="50000" b="50000"/>
+          </a:path>
+        </a:gradFill>
+      </a:bgFillStyleLst>
+    </a:fmtScheme>
+  </a:themeElements>
+  <a:objectDefaults/>
+  <a:extraClrSchemeLst/>
+</a:theme>
 </file>
--- a/trunk/OOPExam/04 File IO, Object Streams and Exceptions.pptx
+++ b/trunk/OOPExam/04 File IO, Object Streams and Exceptions.pptx
@@ -200,7 +200,8 @@
           <a:p>
             <a:fld id="{962043F3-DC44-4CC8-A11D-CDB7A8DD7CEA}" type="datetimeFigureOut">
               <a:rPr lang="en-US" smtClean="0"/>
-              <a:t>1/12/2010</a:t>
+              <a:pPr/>
+              <a:t>1/19/2010</a:t>
             </a:fld>
             <a:endParaRPr lang="en-US"/>
           </a:p>
@@ -361,7 +362,8 @@
           <a:p>
             <a:fld id="{4FD341E5-9E5E-46A0-9578-2DC388B5496E}" type="slidenum">
               <a:rPr lang="en-US" smtClean="0"/>
-              <a:t>‹#›</a:t>
+              <a:pPr/>
+              <a:t>‹nr.›</a:t>
             </a:fld>
             <a:endParaRPr lang="en-US"/>
           </a:p>
@@ -646,23 +648,460 @@
               </a:rPr>
               <a:t>How can exception in a C# program be handled?</a:t>
             </a:r>
-            <a:endParaRPr lang="en-US" sz="1200" kern="1200" smtClean="0">
-              <a:solidFill>
-                <a:schemeClr val="tx1"/>
-              </a:solidFill>
-              <a:latin typeface="+mn-lt"/>
-              <a:ea typeface="+mn-ea"/>
-              <a:cs typeface="+mn-cs"/>
-            </a:endParaRPr>
-          </a:p>
-          <a:p>
+          </a:p>
+          <a:p>
+            <a:endParaRPr lang="en-US" dirty="0"/>
+          </a:p>
+        </p:txBody>
+      </p:sp>
+      <p:sp>
+        <p:nvSpPr>
+          <p:cNvPr id="4" name="Slide Number Placeholder 3"/>
+          <p:cNvSpPr>
+            <a:spLocks noGrp="1"/>
+          </p:cNvSpPr>
+          <p:nvPr>
+            <p:ph type="sldNum" sz="quarter" idx="10"/>
+          </p:nvPr>
+        </p:nvSpPr>
+        <p:spPr/>
+        <p:txBody>
+          <a:bodyPr/>
+          <a:lstStyle/>
+          <a:p>
+            <a:fld id="{4FD341E5-9E5E-46A0-9578-2DC388B5496E}" type="slidenum">
+              <a:rPr lang="en-US" smtClean="0"/>
+              <a:pPr/>
+              <a:t>1</a:t>
+            </a:fld>
+            <a:endParaRPr lang="en-US" dirty="0"/>
+          </a:p>
+        </p:txBody>
+      </p:sp>
+    </p:spTree>
+  </p:cSld>
+  <p:clrMapOvr>
+    <a:masterClrMapping/>
+  </p:clrMapOvr>
+</p:notes>
+</file>
+
+<file path=ppt/notesSlides/notesSlide2.xml><?xml version="1.0" encoding="utf-8"?>
+<p:notes xmlns:a="http://schemas.openxmlformats.org/drawingml/2006/main" xmlns:r="http://schemas.openxmlformats.org/officeDocument/2006/relationships" xmlns:p="http://schemas.openxmlformats.org/presentationml/2006/main">
+  <p:cSld>
+    <p:spTree>
+      <p:nvGrpSpPr>
+        <p:cNvPr id="1" name=""/>
+        <p:cNvGrpSpPr/>
+        <p:nvPr/>
+      </p:nvGrpSpPr>
+      <p:grpSpPr>
+        <a:xfrm>
+          <a:off x="0" y="0"/>
+          <a:ext cx="0" cy="0"/>
+          <a:chOff x="0" y="0"/>
+          <a:chExt cx="0" cy="0"/>
+        </a:xfrm>
+      </p:grpSpPr>
+      <p:sp>
+        <p:nvSpPr>
+          <p:cNvPr id="2" name="Pladsholder til diasbillede 1"/>
+          <p:cNvSpPr>
+            <a:spLocks noGrp="1" noRot="1" noChangeAspect="1"/>
+          </p:cNvSpPr>
+          <p:nvPr>
+            <p:ph type="sldImg"/>
+          </p:nvPr>
+        </p:nvSpPr>
+        <p:spPr/>
+      </p:sp>
+      <p:sp>
+        <p:nvSpPr>
+          <p:cNvPr id="3" name="Pladsholder til noter 2"/>
+          <p:cNvSpPr>
+            <a:spLocks noGrp="1"/>
+          </p:cNvSpPr>
+          <p:nvPr>
+            <p:ph type="body" idx="1"/>
+          </p:nvPr>
+        </p:nvSpPr>
+        <p:spPr/>
+        <p:txBody>
+          <a:bodyPr>
+            <a:normAutofit/>
+          </a:bodyPr>
+          <a:lstStyle/>
+          <a:p>
+            <a:pPr>
+              <a:buFont typeface="Arial" pitchFamily="34" charset="0"/>
+              <a:buChar char="•"/>
+            </a:pPr>
+            <a:r>
+              <a:rPr lang="en-US" noProof="0" dirty="0" smtClean="0"/>
+              <a:t>File</a:t>
+            </a:r>
+            <a:r>
+              <a:rPr lang="en-US" baseline="0" noProof="0" dirty="0" smtClean="0"/>
+              <a:t>s are a necessity when data needs to be saved, because of either moving of data or storage of data when a program is closed.</a:t>
+            </a:r>
+          </a:p>
+          <a:p>
+            <a:endParaRPr lang="en-US" baseline="0" noProof="0" dirty="0" smtClean="0"/>
+          </a:p>
+          <a:p>
+            <a:pPr eaLnBrk="1" hangingPunct="1">
+              <a:lnSpc>
+                <a:spcPct val="90000"/>
+              </a:lnSpc>
+              <a:spcBef>
+                <a:spcPct val="75000"/>
+              </a:spcBef>
+              <a:buFont typeface="Arial" pitchFamily="34" charset="0"/>
+              <a:buChar char="•"/>
+            </a:pPr>
+            <a:r>
+              <a:rPr lang="en-US" sz="1200" dirty="0" smtClean="0"/>
+              <a:t>A </a:t>
+            </a:r>
+            <a:r>
+              <a:rPr lang="en-US" sz="1200" i="1" dirty="0" smtClean="0"/>
+              <a:t>stream</a:t>
+            </a:r>
+            <a:r>
+              <a:rPr lang="en-US" sz="1200" dirty="0" smtClean="0"/>
+              <a:t> is a sequence of bytes that flow from a source to a destination</a:t>
+            </a:r>
+          </a:p>
+          <a:p>
+            <a:pPr eaLnBrk="1" hangingPunct="1">
+              <a:lnSpc>
+                <a:spcPct val="90000"/>
+              </a:lnSpc>
+              <a:spcBef>
+                <a:spcPct val="75000"/>
+              </a:spcBef>
+              <a:buFont typeface="Arial" pitchFamily="34" charset="0"/>
+              <a:buChar char="•"/>
+            </a:pPr>
+            <a:r>
+              <a:rPr lang="en-US" sz="1200" dirty="0" smtClean="0"/>
+              <a:t>In a program, we read information from an input stream and write information to an output stream</a:t>
+            </a:r>
+          </a:p>
+          <a:p>
+            <a:pPr eaLnBrk="1" hangingPunct="1">
+              <a:lnSpc>
+                <a:spcPct val="90000"/>
+              </a:lnSpc>
+              <a:spcBef>
+                <a:spcPct val="75000"/>
+              </a:spcBef>
+              <a:buFont typeface="Arial" pitchFamily="34" charset="0"/>
+              <a:buChar char="•"/>
+            </a:pPr>
+            <a:r>
+              <a:rPr lang="en-US" sz="1200" dirty="0" smtClean="0"/>
+              <a:t>A program can manage multiple streams simultaneously</a:t>
+            </a:r>
+          </a:p>
+          <a:p>
+            <a:pPr eaLnBrk="1" hangingPunct="1">
+              <a:lnSpc>
+                <a:spcPct val="90000"/>
+              </a:lnSpc>
+              <a:spcBef>
+                <a:spcPct val="75000"/>
+              </a:spcBef>
+              <a:buFont typeface="Arial" pitchFamily="34" charset="0"/>
+              <a:buChar char="•"/>
+            </a:pPr>
+            <a:r>
+              <a:rPr lang="en-US" sz="1200" baseline="0" noProof="0" dirty="0" smtClean="0"/>
+              <a:t>Example of a stream are </a:t>
+            </a:r>
+            <a:r>
+              <a:rPr lang="en-US" sz="1200" baseline="0" noProof="0" dirty="0" err="1" smtClean="0"/>
+              <a:t>Console.In</a:t>
+            </a:r>
+            <a:r>
+              <a:rPr lang="en-US" sz="1200" baseline="0" noProof="0" dirty="0" smtClean="0"/>
+              <a:t> , </a:t>
+            </a:r>
+            <a:r>
+              <a:rPr lang="en-US" sz="1200" baseline="0" noProof="0" dirty="0" err="1" smtClean="0"/>
+              <a:t>Console.Out</a:t>
+            </a:r>
+            <a:r>
+              <a:rPr lang="en-US" sz="1200" baseline="0" noProof="0" dirty="0" smtClean="0"/>
+              <a:t> , </a:t>
+            </a:r>
+            <a:r>
+              <a:rPr lang="en-US" sz="1200" baseline="0" noProof="0" dirty="0" err="1" smtClean="0"/>
+              <a:t>Console.Error</a:t>
+            </a:r>
+            <a:endParaRPr lang="en-US" baseline="0" noProof="0" dirty="0" smtClean="0"/>
+          </a:p>
+          <a:p>
+            <a:endParaRPr lang="en-US" baseline="0" noProof="0" dirty="0" smtClean="0"/>
+          </a:p>
+          <a:p>
+            <a:endParaRPr lang="en-US" baseline="0" noProof="0" dirty="0" smtClean="0"/>
+          </a:p>
+          <a:p>
+            <a:pPr>
+              <a:buFont typeface="Arial" pitchFamily="34" charset="0"/>
+              <a:buChar char="•"/>
+            </a:pPr>
+            <a:r>
+              <a:rPr lang="en-US" baseline="0" noProof="0" dirty="0" smtClean="0"/>
+              <a:t>Common or known file types/extensions, are i.e. .txt a file that is formatted for viewing in a typical text editor, that it’s using </a:t>
+            </a:r>
+            <a:r>
+              <a:rPr lang="en-US" baseline="0" noProof="0" dirty="0" err="1" smtClean="0"/>
+              <a:t>som</a:t>
+            </a:r>
+            <a:r>
+              <a:rPr lang="en-US" baseline="0" noProof="0" dirty="0" smtClean="0"/>
+              <a:t> known encoding formats such as </a:t>
+            </a:r>
+            <a:r>
+              <a:rPr lang="en-US" baseline="0" noProof="0" dirty="0" err="1" smtClean="0"/>
+              <a:t>ansi</a:t>
+            </a:r>
+            <a:r>
+              <a:rPr lang="en-US" baseline="0" noProof="0" dirty="0" smtClean="0"/>
+              <a:t>.  </a:t>
+            </a:r>
+            <a:endParaRPr lang="en-US" noProof="0" dirty="0"/>
+          </a:p>
+        </p:txBody>
+      </p:sp>
+      <p:sp>
+        <p:nvSpPr>
+          <p:cNvPr id="4" name="Pladsholder til diasnummer 3"/>
+          <p:cNvSpPr>
+            <a:spLocks noGrp="1"/>
+          </p:cNvSpPr>
+          <p:nvPr>
+            <p:ph type="sldNum" sz="quarter" idx="10"/>
+          </p:nvPr>
+        </p:nvSpPr>
+        <p:spPr/>
+        <p:txBody>
+          <a:bodyPr/>
+          <a:lstStyle/>
+          <a:p>
+            <a:fld id="{4FD341E5-9E5E-46A0-9578-2DC388B5496E}" type="slidenum">
+              <a:rPr lang="en-US" smtClean="0"/>
+              <a:pPr/>
+              <a:t>2</a:t>
+            </a:fld>
             <a:endParaRPr lang="en-US"/>
           </a:p>
         </p:txBody>
       </p:sp>
-      <p:sp>
-        <p:nvSpPr>
-          <p:cNvPr id="4" name="Slide Number Placeholder 3"/>
+    </p:spTree>
+  </p:cSld>
+  <p:clrMapOvr>
+    <a:masterClrMapping/>
+  </p:clrMapOvr>
+</p:notes>
+</file>
+
+<file path=ppt/notesSlides/notesSlide3.xml><?xml version="1.0" encoding="utf-8"?>
+<p:notes xmlns:a="http://schemas.openxmlformats.org/drawingml/2006/main" xmlns:r="http://schemas.openxmlformats.org/officeDocument/2006/relationships" xmlns:p="http://schemas.openxmlformats.org/presentationml/2006/main">
+  <p:cSld>
+    <p:spTree>
+      <p:nvGrpSpPr>
+        <p:cNvPr id="1" name=""/>
+        <p:cNvGrpSpPr/>
+        <p:nvPr/>
+      </p:nvGrpSpPr>
+      <p:grpSpPr>
+        <a:xfrm>
+          <a:off x="0" y="0"/>
+          <a:ext cx="0" cy="0"/>
+          <a:chOff x="0" y="0"/>
+          <a:chExt cx="0" cy="0"/>
+        </a:xfrm>
+      </p:grpSpPr>
+      <p:sp>
+        <p:nvSpPr>
+          <p:cNvPr id="2" name="Pladsholder til diasbillede 1"/>
+          <p:cNvSpPr>
+            <a:spLocks noGrp="1" noRot="1" noChangeAspect="1"/>
+          </p:cNvSpPr>
+          <p:nvPr>
+            <p:ph type="sldImg"/>
+          </p:nvPr>
+        </p:nvSpPr>
+        <p:spPr/>
+      </p:sp>
+      <p:sp>
+        <p:nvSpPr>
+          <p:cNvPr id="3" name="Pladsholder til noter 2"/>
+          <p:cNvSpPr>
+            <a:spLocks noGrp="1"/>
+          </p:cNvSpPr>
+          <p:nvPr>
+            <p:ph type="body" idx="1"/>
+          </p:nvPr>
+        </p:nvSpPr>
+        <p:spPr/>
+        <p:txBody>
+          <a:bodyPr>
+            <a:normAutofit/>
+          </a:bodyPr>
+          <a:lstStyle/>
+          <a:p>
+            <a:r>
+              <a:rPr lang="en-US" dirty="0" smtClean="0"/>
+              <a:t>Exceptions handles</a:t>
+            </a:r>
+            <a:r>
+              <a:rPr lang="en-US" baseline="0" dirty="0" smtClean="0"/>
+              <a:t> abnormal conditions. An exception is an object that encapsulates information about an unusual program occurrence.</a:t>
+            </a:r>
+          </a:p>
+          <a:p>
+            <a:endParaRPr lang="en-US" baseline="0" dirty="0" smtClean="0"/>
+          </a:p>
+          <a:p>
+            <a:r>
+              <a:rPr lang="en-US" baseline="0" dirty="0" smtClean="0"/>
+              <a:t>Exceptions aren’t a protection against user programmed bugs. A bug might cause an exception.</a:t>
+            </a:r>
+          </a:p>
+          <a:p>
+            <a:endParaRPr lang="en-US" baseline="0" dirty="0" smtClean="0"/>
+          </a:p>
+          <a:p>
+            <a:r>
+              <a:rPr lang="en-US" baseline="0" dirty="0" smtClean="0"/>
+              <a:t>Errors are caused by user action. i.e. a user types in a number where a letter is expected. An error might cause an exception.</a:t>
+            </a:r>
+          </a:p>
+          <a:p>
+            <a:r>
+              <a:rPr lang="en-US" baseline="0" dirty="0" smtClean="0"/>
+              <a:t>Some things causes an exception that is not a bug nor an error, such as running out of memory.</a:t>
+            </a:r>
+          </a:p>
+          <a:p>
+            <a:endParaRPr lang="en-US" baseline="0" dirty="0" smtClean="0"/>
+          </a:p>
+          <a:p>
+            <a:r>
+              <a:rPr lang="en-US" baseline="0" dirty="0" smtClean="0"/>
+              <a:t>The exception handler is a block of code designed to handle the exception.</a:t>
+            </a:r>
+          </a:p>
+          <a:p>
+            <a:pPr marL="0" marR="0" indent="0" algn="l" defTabSz="914400" rtl="0" eaLnBrk="1" fontAlgn="auto" latinLnBrk="0" hangingPunct="1">
+              <a:lnSpc>
+                <a:spcPct val="100000"/>
+              </a:lnSpc>
+              <a:spcBef>
+                <a:spcPts val="0"/>
+              </a:spcBef>
+              <a:spcAft>
+                <a:spcPts val="0"/>
+              </a:spcAft>
+              <a:buClrTx/>
+              <a:buSzTx/>
+              <a:buFontTx/>
+              <a:buNone/>
+              <a:tabLst/>
+              <a:defRPr/>
+            </a:pPr>
+            <a:endParaRPr lang="en-US" b="1" baseline="0" dirty="0" smtClean="0"/>
+          </a:p>
+          <a:p>
+            <a:pPr marL="0" marR="0" indent="0" algn="l" defTabSz="914400" rtl="0" eaLnBrk="1" fontAlgn="auto" latinLnBrk="0" hangingPunct="1">
+              <a:lnSpc>
+                <a:spcPct val="100000"/>
+              </a:lnSpc>
+              <a:spcBef>
+                <a:spcPts val="0"/>
+              </a:spcBef>
+              <a:spcAft>
+                <a:spcPts val="0"/>
+              </a:spcAft>
+              <a:buClrTx/>
+              <a:buSzTx/>
+              <a:buFontTx/>
+              <a:buNone/>
+              <a:tabLst/>
+              <a:defRPr/>
+            </a:pPr>
+            <a:r>
+              <a:rPr lang="en-US" b="1" baseline="0" dirty="0" smtClean="0"/>
+              <a:t>try</a:t>
+            </a:r>
+            <a:r>
+              <a:rPr lang="en-US" b="0" baseline="0" dirty="0" smtClean="0"/>
+              <a:t> block is a block where you throw exceptions in. </a:t>
+            </a:r>
+            <a:endParaRPr lang="en-US" b="1" baseline="0" dirty="0" smtClean="0"/>
+          </a:p>
+          <a:p>
+            <a:r>
+              <a:rPr lang="en-US" b="1" baseline="0" dirty="0" smtClean="0"/>
+              <a:t>throw </a:t>
+            </a:r>
+            <a:r>
+              <a:rPr lang="en-US" b="0" baseline="0" dirty="0" smtClean="0"/>
+              <a:t>keyword are used when you need to throw  an exception, i.e. if you think your application has done something abnormal. It can be used when you’re </a:t>
+            </a:r>
+            <a:r>
+              <a:rPr lang="en-US" b="0" baseline="0" dirty="0" err="1" smtClean="0"/>
+              <a:t>debbugging</a:t>
+            </a:r>
+            <a:r>
+              <a:rPr lang="en-US" b="0" baseline="0" dirty="0" smtClean="0"/>
+              <a:t>. Example: throw new </a:t>
+            </a:r>
+            <a:r>
+              <a:rPr lang="en-US" b="0" baseline="0" dirty="0" err="1" smtClean="0"/>
+              <a:t>System.IO.IOException</a:t>
+            </a:r>
+            <a:r>
+              <a:rPr lang="en-US" b="0" baseline="0" dirty="0" smtClean="0"/>
+              <a:t>()</a:t>
+            </a:r>
+          </a:p>
+          <a:p>
+            <a:r>
+              <a:rPr lang="en-US" b="1" baseline="0" dirty="0" smtClean="0"/>
+              <a:t>catch</a:t>
+            </a:r>
+            <a:r>
+              <a:rPr lang="en-US" b="0" baseline="0" dirty="0" smtClean="0"/>
+              <a:t> is used to handle the thrown exception is also used together with the </a:t>
+            </a:r>
+            <a:r>
+              <a:rPr lang="en-US" b="1" baseline="0" dirty="0" smtClean="0"/>
+              <a:t>try</a:t>
+            </a:r>
+            <a:r>
+              <a:rPr lang="en-US" b="0" baseline="0" dirty="0" smtClean="0"/>
+              <a:t>. Best practice is to specify which exception the </a:t>
+            </a:r>
+            <a:r>
+              <a:rPr lang="en-US" b="1" baseline="0" dirty="0" smtClean="0"/>
+              <a:t>catch</a:t>
+            </a:r>
+            <a:r>
+              <a:rPr lang="en-US" b="0" baseline="0" dirty="0" smtClean="0"/>
+              <a:t> should take care of!!!</a:t>
+            </a:r>
+            <a:endParaRPr lang="en-US" b="1" baseline="0" dirty="0" smtClean="0"/>
+          </a:p>
+        </p:txBody>
+      </p:sp>
+      <p:sp>
+        <p:nvSpPr>
+          <p:cNvPr id="4" name="Pladsholder til diasnummer 3"/>
           <p:cNvSpPr>
             <a:spLocks noGrp="1"/>
           </p:cNvSpPr>
@@ -677,7 +1116,8 @@
           <a:p>
             <a:fld id="{4FD341E5-9E5E-46A0-9578-2DC388B5496E}" type="slidenum">
               <a:rPr lang="en-US" smtClean="0"/>
-              <a:t>1</a:t>
+              <a:pPr/>
+              <a:t>6</a:t>
             </a:fld>
             <a:endParaRPr lang="en-US"/>
           </a:p>
@@ -873,7 +1313,7 @@
             <a:fld id="{3E57D7DC-7299-43C9-BAE2-F335855B8707}" type="datetimeFigureOut">
               <a:rPr lang="en-US" smtClean="0"/>
               <a:pPr/>
-              <a:t>1/12/2010</a:t>
+              <a:t>1/19/2010</a:t>
             </a:fld>
             <a:endParaRPr lang="da-DK"/>
           </a:p>
@@ -916,7 +1356,7 @@
             <a:fld id="{DD09C360-10AD-4B5E-BF9F-FAB61C3D4D92}" type="slidenum">
               <a:rPr lang="da-DK" smtClean="0"/>
               <a:pPr/>
-              <a:t>‹#›</a:t>
+              <a:t>‹nr.›</a:t>
             </a:fld>
             <a:endParaRPr lang="da-DK"/>
           </a:p>
@@ -1040,7 +1480,7 @@
             <a:fld id="{3E57D7DC-7299-43C9-BAE2-F335855B8707}" type="datetimeFigureOut">
               <a:rPr lang="en-US" smtClean="0"/>
               <a:pPr/>
-              <a:t>1/12/2010</a:t>
+              <a:t>1/19/2010</a:t>
             </a:fld>
             <a:endParaRPr lang="da-DK"/>
           </a:p>
@@ -1083,7 +1523,7 @@
             <a:fld id="{DD09C360-10AD-4B5E-BF9F-FAB61C3D4D92}" type="slidenum">
               <a:rPr lang="da-DK" smtClean="0"/>
               <a:pPr/>
-              <a:t>‹#›</a:t>
+              <a:t>‹nr.›</a:t>
             </a:fld>
             <a:endParaRPr lang="da-DK"/>
           </a:p>
@@ -1217,7 +1657,7 @@
             <a:fld id="{3E57D7DC-7299-43C9-BAE2-F335855B8707}" type="datetimeFigureOut">
               <a:rPr lang="en-US" smtClean="0"/>
               <a:pPr/>
-              <a:t>1/12/2010</a:t>
+              <a:t>1/19/2010</a:t>
             </a:fld>
             <a:endParaRPr lang="da-DK"/>
           </a:p>
@@ -1260,7 +1700,7 @@
             <a:fld id="{DD09C360-10AD-4B5E-BF9F-FAB61C3D4D92}" type="slidenum">
               <a:rPr lang="da-DK" smtClean="0"/>
               <a:pPr/>
-              <a:t>‹#›</a:t>
+              <a:t>‹nr.›</a:t>
             </a:fld>
             <a:endParaRPr lang="da-DK"/>
           </a:p>
@@ -1384,7 +1824,7 @@
             <a:fld id="{3E57D7DC-7299-43C9-BAE2-F335855B8707}" type="datetimeFigureOut">
               <a:rPr lang="en-US" smtClean="0"/>
               <a:pPr/>
-              <a:t>1/12/2010</a:t>
+              <a:t>1/19/2010</a:t>
             </a:fld>
             <a:endParaRPr lang="da-DK"/>
           </a:p>
@@ -1427,7 +1867,7 @@
             <a:fld id="{DD09C360-10AD-4B5E-BF9F-FAB61C3D4D92}" type="slidenum">
               <a:rPr lang="da-DK" smtClean="0"/>
               <a:pPr/>
-              <a:t>‹#›</a:t>
+              <a:t>‹nr.›</a:t>
             </a:fld>
             <a:endParaRPr lang="da-DK"/>
           </a:p>
@@ -1627,7 +2067,7 @@
             <a:fld id="{3E57D7DC-7299-43C9-BAE2-F335855B8707}" type="datetimeFigureOut">
               <a:rPr lang="en-US" smtClean="0"/>
               <a:pPr/>
-              <a:t>1/12/2010</a:t>
+              <a:t>1/19/2010</a:t>
             </a:fld>
             <a:endParaRPr lang="da-DK"/>
           </a:p>
@@ -1670,7 +2110,7 @@
             <a:fld id="{DD09C360-10AD-4B5E-BF9F-FAB61C3D4D92}" type="slidenum">
               <a:rPr lang="da-DK" smtClean="0"/>
               <a:pPr/>
-              <a:t>‹#›</a:t>
+              <a:t>‹nr.›</a:t>
             </a:fld>
             <a:endParaRPr lang="da-DK"/>
           </a:p>
@@ -1912,7 +2352,7 @@
             <a:fld id="{3E57D7DC-7299-43C9-BAE2-F335855B8707}" type="datetimeFigureOut">
               <a:rPr lang="en-US" smtClean="0"/>
               <a:pPr/>
-              <a:t>1/12/2010</a:t>
+              <a:t>1/19/2010</a:t>
             </a:fld>
             <a:endParaRPr lang="da-DK"/>
           </a:p>
@@ -1955,7 +2395,7 @@
             <a:fld id="{DD09C360-10AD-4B5E-BF9F-FAB61C3D4D92}" type="slidenum">
               <a:rPr lang="da-DK" smtClean="0"/>
               <a:pPr/>
-              <a:t>‹#›</a:t>
+              <a:t>‹nr.›</a:t>
             </a:fld>
             <a:endParaRPr lang="da-DK"/>
           </a:p>
@@ -2331,7 +2771,7 @@
             <a:fld id="{3E57D7DC-7299-43C9-BAE2-F335855B8707}" type="datetimeFigureOut">
               <a:rPr lang="en-US" smtClean="0"/>
               <a:pPr/>
-              <a:t>1/12/2010</a:t>
+              <a:t>1/19/2010</a:t>
             </a:fld>
             <a:endParaRPr lang="da-DK"/>
           </a:p>
@@ -2374,7 +2814,7 @@
             <a:fld id="{DD09C360-10AD-4B5E-BF9F-FAB61C3D4D92}" type="slidenum">
               <a:rPr lang="da-DK" smtClean="0"/>
               <a:pPr/>
-              <a:t>‹#›</a:t>
+              <a:t>‹nr.›</a:t>
             </a:fld>
             <a:endParaRPr lang="da-DK"/>
           </a:p>
@@ -2446,7 +2886,7 @@
             <a:fld id="{3E57D7DC-7299-43C9-BAE2-F335855B8707}" type="datetimeFigureOut">
               <a:rPr lang="en-US" smtClean="0"/>
               <a:pPr/>
-              <a:t>1/12/2010</a:t>
+              <a:t>1/19/2010</a:t>
             </a:fld>
             <a:endParaRPr lang="da-DK"/>
           </a:p>
@@ -2489,7 +2929,7 @@
             <a:fld id="{DD09C360-10AD-4B5E-BF9F-FAB61C3D4D92}" type="slidenum">
               <a:rPr lang="da-DK" smtClean="0"/>
               <a:pPr/>
-              <a:t>‹#›</a:t>
+              <a:t>‹nr.›</a:t>
             </a:fld>
             <a:endParaRPr lang="da-DK"/>
           </a:p>
@@ -2538,7 +2978,7 @@
             <a:fld id="{3E57D7DC-7299-43C9-BAE2-F335855B8707}" type="datetimeFigureOut">
               <a:rPr lang="en-US" smtClean="0"/>
               <a:pPr/>
-              <a:t>1/12/2010</a:t>
+              <a:t>1/19/2010</a:t>
             </a:fld>
             <a:endParaRPr lang="da-DK"/>
           </a:p>
@@ -2581,7 +3021,7 @@
             <a:fld id="{DD09C360-10AD-4B5E-BF9F-FAB61C3D4D92}" type="slidenum">
               <a:rPr lang="da-DK" smtClean="0"/>
               <a:pPr/>
-              <a:t>‹#›</a:t>
+              <a:t>‹nr.›</a:t>
             </a:fld>
             <a:endParaRPr lang="da-DK"/>
           </a:p>
@@ -2812,7 +3252,7 @@
             <a:fld id="{3E57D7DC-7299-43C9-BAE2-F335855B8707}" type="datetimeFigureOut">
               <a:rPr lang="en-US" smtClean="0"/>
               <a:pPr/>
-              <a:t>1/12/2010</a:t>
+              <a:t>1/19/2010</a:t>
             </a:fld>
             <a:endParaRPr lang="da-DK"/>
           </a:p>
@@ -2855,7 +3295,7 @@
             <a:fld id="{DD09C360-10AD-4B5E-BF9F-FAB61C3D4D92}" type="slidenum">
               <a:rPr lang="da-DK" smtClean="0"/>
               <a:pPr/>
-              <a:t>‹#›</a:t>
+              <a:t>‹nr.›</a:t>
             </a:fld>
             <a:endParaRPr lang="da-DK"/>
           </a:p>
@@ -3062,7 +3502,7 @@
             <a:fld id="{3E57D7DC-7299-43C9-BAE2-F335855B8707}" type="datetimeFigureOut">
               <a:rPr lang="en-US" smtClean="0"/>
               <a:pPr/>
-              <a:t>1/12/2010</a:t>
+              <a:t>1/19/2010</a:t>
             </a:fld>
             <a:endParaRPr lang="da-DK"/>
           </a:p>
@@ -3105,7 +3545,7 @@
             <a:fld id="{DD09C360-10AD-4B5E-BF9F-FAB61C3D4D92}" type="slidenum">
               <a:rPr lang="da-DK" smtClean="0"/>
               <a:pPr/>
-              <a:t>‹#›</a:t>
+              <a:t>‹nr.›</a:t>
             </a:fld>
             <a:endParaRPr lang="da-DK"/>
           </a:p>
@@ -3272,7 +3712,7 @@
             <a:fld id="{3E57D7DC-7299-43C9-BAE2-F335855B8707}" type="datetimeFigureOut">
               <a:rPr lang="en-US" smtClean="0"/>
               <a:pPr/>
-              <a:t>1/12/2010</a:t>
+              <a:t>1/19/2010</a:t>
             </a:fld>
             <a:endParaRPr lang="da-DK"/>
           </a:p>
@@ -3351,7 +3791,7 @@
             <a:fld id="{DD09C360-10AD-4B5E-BF9F-FAB61C3D4D92}" type="slidenum">
               <a:rPr lang="da-DK" smtClean="0"/>
               <a:pPr/>
-              <a:t>‹#›</a:t>
+              <a:t>‹nr.›</a:t>
             </a:fld>
             <a:endParaRPr lang="da-DK"/>
           </a:p>
@@ -3661,10 +4101,10 @@
           <a:lstStyle/>
           <a:p>
             <a:r>
-              <a:rPr lang="en-US" b="1" smtClean="0"/>
+              <a:rPr lang="en-US" b="1" dirty="0" smtClean="0"/>
               <a:t>#04 File I/O, Object Streams and Exceptions</a:t>
             </a:r>
-            <a:endParaRPr lang="en-US"/>
+            <a:endParaRPr lang="en-US" dirty="0"/>
           </a:p>
         </p:txBody>
       </p:sp>
@@ -3729,7 +4169,7 @@
           <a:p>
             <a:r>
               <a:rPr lang="en-US" dirty="0" smtClean="0"/>
-              <a:t>Class</a:t>
+              <a:t>File I/O</a:t>
             </a:r>
             <a:endParaRPr lang="en-US" dirty="0"/>
           </a:p>
@@ -3750,7 +4190,22 @@
           <a:bodyPr/>
           <a:lstStyle/>
           <a:p>
-            <a:endParaRPr lang="da-DK"/>
+            <a:r>
+              <a:rPr lang="en-US" dirty="0" smtClean="0"/>
+              <a:t>Why are files needed?</a:t>
+            </a:r>
+          </a:p>
+          <a:p>
+            <a:r>
+              <a:rPr lang="en-US" dirty="0" smtClean="0"/>
+              <a:t>Usage of files</a:t>
+            </a:r>
+          </a:p>
+          <a:p>
+            <a:r>
+              <a:rPr lang="en-US" dirty="0" smtClean="0"/>
+              <a:t>Common file types</a:t>
+            </a:r>
           </a:p>
         </p:txBody>
       </p:sp>
@@ -3796,7 +4251,7 @@
           <a:p>
             <a:r>
               <a:rPr lang="en-US" dirty="0" smtClean="0"/>
-              <a:t>Class Example and Visibility</a:t>
+              <a:t>File I/O Example</a:t>
             </a:r>
             <a:endParaRPr lang="en-US" dirty="0"/>
           </a:p>
@@ -3856,7 +4311,7 @@
           <p:nvPr/>
         </p:nvPicPr>
         <p:blipFill>
-          <a:blip r:embed="rId2"/>
+          <a:blip r:embed="rId2" cstate="print"/>
           <a:srcRect/>
           <a:stretch>
             <a:fillRect/>
@@ -3922,7 +4377,7 @@
           <a:p>
             <a:r>
               <a:rPr lang="en-US" dirty="0" smtClean="0"/>
-              <a:t>Interfaces</a:t>
+              <a:t>Object Streams</a:t>
             </a:r>
             <a:endParaRPr lang="en-US" dirty="0"/>
           </a:p>
@@ -3945,63 +4400,11 @@
           <a:p>
             <a:r>
               <a:rPr lang="en-US" dirty="0" smtClean="0"/>
-              <a:t>“An </a:t>
-            </a:r>
-            <a:r>
-              <a:rPr lang="en-US" i="1" dirty="0" smtClean="0"/>
-              <a:t>interface is a contract that guarantees to a client how a class will behave”</a:t>
-            </a:r>
-          </a:p>
-          <a:p>
-            <a:endParaRPr lang="en-US" i="1" dirty="0" smtClean="0"/>
-          </a:p>
-          <a:p>
-            <a:r>
-              <a:rPr lang="en-US" dirty="0" smtClean="0"/>
-              <a:t>A Class can implement more the one interface</a:t>
-            </a:r>
-          </a:p>
-          <a:p>
-            <a:r>
-              <a:rPr lang="en-US" dirty="0" smtClean="0"/>
-              <a:t>Interfaces can be extended and combined</a:t>
-            </a:r>
-          </a:p>
-        </p:txBody>
-      </p:sp>
-      <p:pic>
-        <p:nvPicPr>
-          <p:cNvPr id="2050" name="Picture 2"/>
-          <p:cNvPicPr>
-            <a:picLocks noChangeAspect="1" noChangeArrowheads="1"/>
-          </p:cNvPicPr>
-          <p:nvPr/>
-        </p:nvPicPr>
-        <p:blipFill>
-          <a:blip r:embed="rId2"/>
-          <a:srcRect/>
-          <a:stretch>
-            <a:fillRect/>
-          </a:stretch>
-        </p:blipFill>
-        <p:spPr bwMode="auto">
-          <a:xfrm>
-            <a:off x="3000364" y="5286388"/>
-            <a:ext cx="2967818" cy="1104902"/>
-          </a:xfrm>
-          <a:prstGeom prst="rect">
-            <a:avLst/>
-          </a:prstGeom>
-          <a:noFill/>
-          <a:ln w="9525">
-            <a:noFill/>
-            <a:miter lim="800000"/>
-            <a:headEnd/>
-            <a:tailEnd/>
-          </a:ln>
-          <a:effectLst/>
-        </p:spPr>
-      </p:pic>
+              <a:t>How to store and load objects on files</a:t>
+            </a:r>
+          </a:p>
+        </p:txBody>
+      </p:sp>
     </p:spTree>
   </p:cSld>
   <p:clrMapOvr>
@@ -4044,7 +4447,7 @@
           <a:p>
             <a:r>
               <a:rPr lang="en-US" dirty="0" smtClean="0"/>
-              <a:t>Abstract Class</a:t>
+              <a:t>Object Streams Example</a:t>
             </a:r>
             <a:endParaRPr lang="en-US" dirty="0"/>
           </a:p>
@@ -4111,7 +4514,7 @@
           <a:p>
             <a:r>
               <a:rPr lang="en-US" dirty="0" smtClean="0"/>
-              <a:t>Abstract Class Vs Interface</a:t>
+              <a:t>Exceptions</a:t>
             </a:r>
             <a:endParaRPr lang="en-US" dirty="0"/>
           </a:p>
@@ -4132,7 +4535,74 @@
           <a:bodyPr/>
           <a:lstStyle/>
           <a:p>
-            <a:endParaRPr lang="da-DK"/>
+            <a:r>
+              <a:rPr lang="da-DK" dirty="0" err="1" smtClean="0"/>
+              <a:t>What</a:t>
+            </a:r>
+            <a:r>
+              <a:rPr lang="da-DK" dirty="0" smtClean="0"/>
+              <a:t> is </a:t>
+            </a:r>
+            <a:r>
+              <a:rPr lang="da-DK" dirty="0" err="1" smtClean="0"/>
+              <a:t>exceptions</a:t>
+            </a:r>
+            <a:endParaRPr lang="da-DK" dirty="0" smtClean="0"/>
+          </a:p>
+          <a:p>
+            <a:r>
+              <a:rPr lang="da-DK" dirty="0" err="1" smtClean="0"/>
+              <a:t>Exception</a:t>
+            </a:r>
+            <a:r>
+              <a:rPr lang="da-DK" dirty="0" smtClean="0"/>
+              <a:t> handler</a:t>
+            </a:r>
+          </a:p>
+          <a:p>
+            <a:r>
+              <a:rPr lang="da-DK" dirty="0" err="1" smtClean="0"/>
+              <a:t>Try</a:t>
+            </a:r>
+            <a:r>
+              <a:rPr lang="da-DK" dirty="0" smtClean="0"/>
+              <a:t> </a:t>
+            </a:r>
+            <a:r>
+              <a:rPr lang="da-DK" dirty="0" err="1" smtClean="0"/>
+              <a:t>block</a:t>
+            </a:r>
+            <a:endParaRPr lang="da-DK" dirty="0" smtClean="0"/>
+          </a:p>
+          <a:p>
+            <a:r>
+              <a:rPr lang="da-DK" dirty="0" err="1" smtClean="0"/>
+              <a:t>Throw</a:t>
+            </a:r>
+            <a:r>
+              <a:rPr lang="da-DK" dirty="0" smtClean="0"/>
+              <a:t> </a:t>
+            </a:r>
+            <a:r>
+              <a:rPr lang="da-DK" dirty="0" err="1" smtClean="0"/>
+              <a:t>exceptions</a:t>
+            </a:r>
+            <a:endParaRPr lang="da-DK" dirty="0" smtClean="0"/>
+          </a:p>
+          <a:p>
+            <a:r>
+              <a:rPr lang="da-DK" dirty="0" err="1" smtClean="0"/>
+              <a:t>Catch</a:t>
+            </a:r>
+            <a:r>
+              <a:rPr lang="da-DK" dirty="0" smtClean="0"/>
+              <a:t> </a:t>
+            </a:r>
+            <a:r>
+              <a:rPr lang="da-DK" dirty="0" err="1" smtClean="0"/>
+              <a:t>exceptions</a:t>
+            </a:r>
+            <a:endParaRPr lang="da-DK" dirty="0" smtClean="0"/>
           </a:p>
         </p:txBody>
       </p:sp>
@@ -4171,14 +4641,19 @@
             <p:ph type="title"/>
           </p:nvPr>
         </p:nvSpPr>
-        <p:spPr/>
+        <p:spPr>
+          <a:xfrm>
+            <a:off x="500034" y="285728"/>
+            <a:ext cx="8229600" cy="1143000"/>
+          </a:xfrm>
+        </p:spPr>
         <p:txBody>
           <a:bodyPr/>
           <a:lstStyle/>
           <a:p>
             <a:r>
               <a:rPr lang="en-US" dirty="0" smtClean="0"/>
-              <a:t>Garbage Collector</a:t>
+              <a:t>File I/O and Exceptions Example</a:t>
             </a:r>
             <a:endParaRPr lang="en-US" dirty="0"/>
           </a:p>
@@ -4186,7 +4661,7 @@
       </p:sp>
       <p:sp>
         <p:nvSpPr>
-          <p:cNvPr id="3" name="Content Placeholder 2"/>
+          <p:cNvPr id="8" name="Content Placeholder 2"/>
           <p:cNvSpPr>
             <a:spLocks noGrp="1"/>
           </p:cNvSpPr>
@@ -4194,37 +4669,461 @@
             <p:ph idx="1"/>
           </p:nvPr>
         </p:nvSpPr>
-        <p:spPr/>
-        <p:txBody>
-          <a:bodyPr/>
-          <a:lstStyle/>
-          <a:p>
-            <a:r>
-              <a:rPr lang="en-US" dirty="0" smtClean="0"/>
-              <a:t>C# performs automatic garbage collection</a:t>
-            </a:r>
-          </a:p>
-          <a:p>
-            <a:pPr lvl="1"/>
-            <a:r>
-              <a:rPr lang="en-US" dirty="0" smtClean="0"/>
-              <a:t>Collection/removing objects that are marked as garbage</a:t>
-            </a:r>
-          </a:p>
-          <a:p>
-            <a:pPr lvl="1"/>
-            <a:r>
-              <a:rPr lang="en-US" dirty="0" smtClean="0"/>
-              <a:t>Object that no longer has a reference</a:t>
-            </a:r>
-          </a:p>
-          <a:p>
-            <a:pPr lvl="1"/>
-            <a:r>
-              <a:rPr lang="en-US" dirty="0" smtClean="0"/>
-              <a:t>C# programmers don’t need to worry about explicitly reclaiming memory that has become garbage </a:t>
-            </a:r>
-            <a:endParaRPr lang="en-US" dirty="0"/>
+        <p:spPr>
+          <a:xfrm>
+            <a:off x="457200" y="1214422"/>
+            <a:ext cx="8229600" cy="5500726"/>
+          </a:xfrm>
+        </p:spPr>
+        <p:txBody>
+          <a:bodyPr>
+            <a:normAutofit fontScale="77500" lnSpcReduction="20000"/>
+          </a:bodyPr>
+          <a:lstStyle/>
+          <a:p>
+            <a:pPr>
+              <a:buNone/>
+            </a:pPr>
+            <a:r>
+              <a:rPr lang="en-US" sz="1800" dirty="0" smtClean="0"/>
+              <a:t>using System; </a:t>
+            </a:r>
+          </a:p>
+          <a:p>
+            <a:pPr>
+              <a:buNone/>
+            </a:pPr>
+            <a:r>
+              <a:rPr lang="en-US" sz="1800" dirty="0" smtClean="0"/>
+              <a:t>using </a:t>
+            </a:r>
+            <a:r>
+              <a:rPr lang="en-US" sz="1800" dirty="0" smtClean="0"/>
+              <a:t>System.IO; </a:t>
+            </a:r>
+            <a:endParaRPr lang="en-US" sz="1800" dirty="0" smtClean="0"/>
+          </a:p>
+          <a:p>
+            <a:pPr>
+              <a:buNone/>
+            </a:pPr>
+            <a:r>
+              <a:rPr lang="en-US" sz="1800" dirty="0" smtClean="0"/>
+              <a:t>class </a:t>
+            </a:r>
+            <a:r>
+              <a:rPr lang="en-US" sz="1800" dirty="0" smtClean="0"/>
+              <a:t>Test </a:t>
+            </a:r>
+            <a:endParaRPr lang="en-US" sz="1800" dirty="0" smtClean="0"/>
+          </a:p>
+          <a:p>
+            <a:pPr>
+              <a:buNone/>
+            </a:pPr>
+            <a:r>
+              <a:rPr lang="en-US" sz="1800" dirty="0" smtClean="0"/>
+              <a:t>{ </a:t>
+            </a:r>
+          </a:p>
+          <a:p>
+            <a:pPr>
+              <a:buNone/>
+            </a:pPr>
+            <a:r>
+              <a:rPr lang="en-US" sz="1800" dirty="0" smtClean="0"/>
+              <a:t>	</a:t>
+            </a:r>
+            <a:r>
+              <a:rPr lang="en-US" sz="1800" dirty="0" smtClean="0"/>
+              <a:t>public </a:t>
+            </a:r>
+            <a:r>
+              <a:rPr lang="en-US" sz="1800" dirty="0" smtClean="0"/>
+              <a:t>static void Main() </a:t>
+            </a:r>
+            <a:endParaRPr lang="en-US" sz="1800" dirty="0" smtClean="0"/>
+          </a:p>
+          <a:p>
+            <a:pPr>
+              <a:buNone/>
+            </a:pPr>
+            <a:r>
+              <a:rPr lang="en-US" sz="1800" dirty="0" smtClean="0"/>
+              <a:t>	</a:t>
+            </a:r>
+            <a:r>
+              <a:rPr lang="en-US" sz="1800" dirty="0" smtClean="0"/>
+              <a:t>{</a:t>
+            </a:r>
+          </a:p>
+          <a:p>
+            <a:pPr>
+              <a:buNone/>
+            </a:pPr>
+            <a:r>
+              <a:rPr lang="en-US" sz="1800" dirty="0" smtClean="0"/>
+              <a:t>	</a:t>
+            </a:r>
+            <a:r>
+              <a:rPr lang="en-US" sz="1800" dirty="0" smtClean="0"/>
+              <a:t>	 </a:t>
+            </a:r>
+            <a:r>
+              <a:rPr lang="en-US" sz="1800" dirty="0" smtClean="0"/>
+              <a:t>try </a:t>
+            </a:r>
+            <a:endParaRPr lang="en-US" sz="1800" dirty="0" smtClean="0"/>
+          </a:p>
+          <a:p>
+            <a:pPr>
+              <a:buNone/>
+            </a:pPr>
+            <a:r>
+              <a:rPr lang="en-US" sz="1800" dirty="0" smtClean="0"/>
+              <a:t>	</a:t>
+            </a:r>
+            <a:r>
+              <a:rPr lang="en-US" sz="1800" dirty="0" smtClean="0"/>
+              <a:t>	{ 	</a:t>
+            </a:r>
+            <a:r>
+              <a:rPr lang="en-US" sz="1200" dirty="0" smtClean="0"/>
+              <a:t>// </a:t>
+            </a:r>
+            <a:r>
+              <a:rPr lang="en-US" sz="1200" dirty="0" smtClean="0"/>
+              <a:t>Create an instance of </a:t>
+            </a:r>
+            <a:r>
+              <a:rPr lang="en-US" sz="1200" dirty="0" err="1" smtClean="0"/>
+              <a:t>StreamReader</a:t>
+            </a:r>
+            <a:r>
+              <a:rPr lang="en-US" sz="1200" dirty="0" smtClean="0"/>
+              <a:t> to read from a file</a:t>
+            </a:r>
+            <a:r>
+              <a:rPr lang="en-US" sz="1200" dirty="0" smtClean="0"/>
+              <a:t>.</a:t>
+            </a:r>
+          </a:p>
+          <a:p>
+            <a:pPr>
+              <a:buNone/>
+            </a:pPr>
+            <a:r>
+              <a:rPr lang="en-US" sz="1200" dirty="0" smtClean="0"/>
+              <a:t>			// </a:t>
+            </a:r>
+            <a:r>
+              <a:rPr lang="en-US" sz="1200" dirty="0" smtClean="0"/>
+              <a:t>The using statement also closes </a:t>
+            </a:r>
+            <a:r>
+              <a:rPr lang="en-US" sz="1200" dirty="0" smtClean="0"/>
+              <a:t>the </a:t>
+            </a:r>
+            <a:r>
+              <a:rPr lang="en-US" sz="1200" dirty="0" err="1" smtClean="0"/>
+              <a:t>StreamReader</a:t>
+            </a:r>
+            <a:r>
+              <a:rPr lang="en-US" sz="1200" dirty="0" smtClean="0"/>
+              <a:t>.</a:t>
+            </a:r>
+            <a:endParaRPr lang="en-US" sz="1200" dirty="0" smtClean="0"/>
+          </a:p>
+          <a:p>
+            <a:pPr>
+              <a:buNone/>
+            </a:pPr>
+            <a:r>
+              <a:rPr lang="en-US" sz="1800" dirty="0" smtClean="0"/>
+              <a:t>			using(</a:t>
+            </a:r>
+            <a:r>
+              <a:rPr lang="en-US" sz="1800" dirty="0" err="1" smtClean="0"/>
+              <a:t>StreamReader</a:t>
+            </a:r>
+            <a:r>
+              <a:rPr lang="en-US" sz="1800" dirty="0" smtClean="0"/>
+              <a:t> </a:t>
+            </a:r>
+            <a:r>
+              <a:rPr lang="en-US" sz="1800" dirty="0" err="1" smtClean="0"/>
+              <a:t>sr</a:t>
+            </a:r>
+            <a:r>
+              <a:rPr lang="en-US" sz="1800" dirty="0" smtClean="0"/>
+              <a:t> = new </a:t>
+            </a:r>
+            <a:r>
+              <a:rPr lang="en-US" sz="1800" dirty="0" err="1" smtClean="0"/>
+              <a:t>StreamReader</a:t>
+            </a:r>
+            <a:r>
+              <a:rPr lang="en-US" sz="1800" dirty="0" smtClean="0"/>
+              <a:t>("TestFile.txt</a:t>
+            </a:r>
+            <a:r>
+              <a:rPr lang="en-US" sz="1800" dirty="0" smtClean="0"/>
+              <a:t>"))</a:t>
+            </a:r>
+          </a:p>
+          <a:p>
+            <a:pPr>
+              <a:buNone/>
+            </a:pPr>
+            <a:r>
+              <a:rPr lang="en-US" sz="1800" dirty="0" smtClean="0"/>
+              <a:t>	</a:t>
+            </a:r>
+            <a:r>
+              <a:rPr lang="en-US" sz="1800" dirty="0" smtClean="0"/>
+              <a:t>		{ </a:t>
+            </a:r>
+          </a:p>
+          <a:p>
+            <a:pPr>
+              <a:buNone/>
+            </a:pPr>
+            <a:r>
+              <a:rPr lang="en-US" sz="1800" dirty="0" smtClean="0"/>
+              <a:t>	</a:t>
+            </a:r>
+            <a:r>
+              <a:rPr lang="en-US" sz="1800" dirty="0" smtClean="0"/>
+              <a:t>			String </a:t>
+            </a:r>
+            <a:r>
+              <a:rPr lang="en-US" sz="1800" dirty="0" smtClean="0"/>
+              <a:t>line; </a:t>
+            </a:r>
+            <a:r>
+              <a:rPr lang="en-US" sz="1200" dirty="0" smtClean="0"/>
+              <a:t>// Read and display lines from the file until the end of </a:t>
+            </a:r>
+            <a:r>
+              <a:rPr lang="en-US" sz="1200" dirty="0" smtClean="0"/>
+              <a:t> </a:t>
+            </a:r>
+            <a:r>
+              <a:rPr lang="en-US" sz="1200" dirty="0" smtClean="0"/>
+              <a:t>the file is reached. </a:t>
+            </a:r>
+            <a:endParaRPr lang="en-US" sz="1200" dirty="0" smtClean="0"/>
+          </a:p>
+          <a:p>
+            <a:pPr>
+              <a:buNone/>
+            </a:pPr>
+            <a:r>
+              <a:rPr lang="en-US" sz="1200" dirty="0" smtClean="0"/>
+              <a:t>	</a:t>
+            </a:r>
+            <a:r>
+              <a:rPr lang="en-US" sz="1200" dirty="0" smtClean="0"/>
+              <a:t>			</a:t>
+            </a:r>
+            <a:r>
+              <a:rPr lang="en-US" sz="1800" dirty="0" smtClean="0"/>
+              <a:t>while </a:t>
+            </a:r>
+            <a:r>
+              <a:rPr lang="en-US" sz="1800" dirty="0" smtClean="0"/>
+              <a:t>((line = </a:t>
+            </a:r>
+            <a:r>
+              <a:rPr lang="en-US" sz="1800" dirty="0" err="1" smtClean="0"/>
+              <a:t>sr.ReadLine</a:t>
+            </a:r>
+            <a:r>
+              <a:rPr lang="en-US" sz="1800" dirty="0" smtClean="0"/>
+              <a:t>()) != null) </a:t>
+            </a:r>
+            <a:endParaRPr lang="en-US" sz="1800" dirty="0" smtClean="0"/>
+          </a:p>
+          <a:p>
+            <a:pPr>
+              <a:buNone/>
+            </a:pPr>
+            <a:r>
+              <a:rPr lang="en-US" sz="1800" dirty="0" smtClean="0"/>
+              <a:t>	</a:t>
+            </a:r>
+            <a:r>
+              <a:rPr lang="en-US" sz="1800" dirty="0" smtClean="0"/>
+              <a:t>			{</a:t>
+            </a:r>
+          </a:p>
+          <a:p>
+            <a:pPr>
+              <a:buNone/>
+            </a:pPr>
+            <a:r>
+              <a:rPr lang="en-US" sz="1800" dirty="0" smtClean="0"/>
+              <a:t>	</a:t>
+            </a:r>
+            <a:r>
+              <a:rPr lang="en-US" sz="1800" dirty="0" smtClean="0"/>
+              <a:t>				</a:t>
+            </a:r>
+            <a:r>
+              <a:rPr lang="en-US" sz="1800" dirty="0" err="1" smtClean="0"/>
+              <a:t>Console.WriteLine</a:t>
+            </a:r>
+            <a:r>
+              <a:rPr lang="en-US" sz="1800" dirty="0" smtClean="0"/>
+              <a:t>(line</a:t>
+            </a:r>
+            <a:r>
+              <a:rPr lang="en-US" sz="1800" dirty="0" smtClean="0"/>
+              <a:t>); </a:t>
+            </a:r>
+            <a:endParaRPr lang="en-US" sz="1800" dirty="0" smtClean="0"/>
+          </a:p>
+          <a:p>
+            <a:pPr>
+              <a:buNone/>
+            </a:pPr>
+            <a:r>
+              <a:rPr lang="en-US" sz="1800" dirty="0" smtClean="0"/>
+              <a:t>	</a:t>
+            </a:r>
+            <a:r>
+              <a:rPr lang="en-US" sz="1800" dirty="0" smtClean="0"/>
+              <a:t>			}</a:t>
+            </a:r>
+          </a:p>
+          <a:p>
+            <a:pPr>
+              <a:buNone/>
+            </a:pPr>
+            <a:r>
+              <a:rPr lang="en-US" sz="1800" dirty="0" smtClean="0"/>
+              <a:t>	</a:t>
+            </a:r>
+            <a:r>
+              <a:rPr lang="en-US" sz="1800" dirty="0" smtClean="0"/>
+              <a:t> 		} </a:t>
+            </a:r>
+          </a:p>
+          <a:p>
+            <a:pPr>
+              <a:buNone/>
+            </a:pPr>
+            <a:r>
+              <a:rPr lang="en-US" sz="1800" dirty="0" smtClean="0"/>
+              <a:t>		} </a:t>
+            </a:r>
+          </a:p>
+          <a:p>
+            <a:pPr>
+              <a:buNone/>
+            </a:pPr>
+            <a:r>
+              <a:rPr lang="en-US" sz="1800" dirty="0" smtClean="0"/>
+              <a:t>		catch </a:t>
+            </a:r>
+            <a:r>
+              <a:rPr lang="en-US" sz="1800" dirty="0" smtClean="0"/>
+              <a:t>(Exception e) </a:t>
+            </a:r>
+            <a:endParaRPr lang="en-US" sz="1800" dirty="0" smtClean="0"/>
+          </a:p>
+          <a:p>
+            <a:pPr>
+              <a:buNone/>
+            </a:pPr>
+            <a:r>
+              <a:rPr lang="en-US" sz="1800" dirty="0" smtClean="0"/>
+              <a:t>		{ </a:t>
+            </a:r>
+            <a:r>
+              <a:rPr lang="en-US" sz="1200" dirty="0" smtClean="0"/>
+              <a:t>// Let the user know what went wrong. </a:t>
+            </a:r>
+            <a:endParaRPr lang="en-US" sz="1200" dirty="0" smtClean="0"/>
+          </a:p>
+          <a:p>
+            <a:pPr>
+              <a:buNone/>
+            </a:pPr>
+            <a:r>
+              <a:rPr lang="en-US" sz="1200" dirty="0" smtClean="0"/>
+              <a:t>	</a:t>
+            </a:r>
+            <a:r>
+              <a:rPr lang="en-US" sz="1200" dirty="0" smtClean="0"/>
+              <a:t>		</a:t>
+            </a:r>
+            <a:r>
+              <a:rPr lang="en-US" sz="1800" dirty="0" err="1" smtClean="0"/>
+              <a:t>Console.WriteLine</a:t>
+            </a:r>
+            <a:r>
+              <a:rPr lang="en-US" sz="1800" dirty="0" smtClean="0"/>
+              <a:t>("The file could not be read:"); </a:t>
+            </a:r>
+            <a:r>
+              <a:rPr lang="en-US" sz="1800" dirty="0" smtClean="0"/>
+              <a:t>					</a:t>
+            </a:r>
+            <a:r>
+              <a:rPr lang="en-US" sz="1800" dirty="0" err="1" smtClean="0"/>
+              <a:t>Console.WriteLine</a:t>
+            </a:r>
+            <a:r>
+              <a:rPr lang="en-US" sz="1800" dirty="0" smtClean="0"/>
+              <a:t>(</a:t>
+            </a:r>
+            <a:r>
+              <a:rPr lang="en-US" sz="1800" dirty="0" err="1" smtClean="0"/>
+              <a:t>e.Message</a:t>
+            </a:r>
+            <a:r>
+              <a:rPr lang="en-US" sz="1800" dirty="0" smtClean="0"/>
+              <a:t>); </a:t>
+            </a:r>
+            <a:endParaRPr lang="en-US" sz="1800" dirty="0" smtClean="0"/>
+          </a:p>
+          <a:p>
+            <a:pPr>
+              <a:buNone/>
+            </a:pPr>
+            <a:r>
+              <a:rPr lang="en-US" sz="1800" dirty="0" smtClean="0"/>
+              <a:t>	</a:t>
+            </a:r>
+            <a:r>
+              <a:rPr lang="en-US" sz="1800" dirty="0" smtClean="0"/>
+              <a:t>	}</a:t>
+            </a:r>
+          </a:p>
+          <a:p>
+            <a:pPr>
+              <a:buNone/>
+            </a:pPr>
+            <a:r>
+              <a:rPr lang="en-US" sz="1800" dirty="0" smtClean="0"/>
+              <a:t>	</a:t>
+            </a:r>
+            <a:r>
+              <a:rPr lang="en-US" sz="1800" smtClean="0"/>
+              <a:t> } </a:t>
+            </a:r>
+            <a:endParaRPr lang="en-US" sz="1800" dirty="0" smtClean="0"/>
+          </a:p>
+          <a:p>
+            <a:pPr>
+              <a:buNone/>
+            </a:pPr>
+            <a:r>
+              <a:rPr lang="en-US" sz="1800" dirty="0" smtClean="0"/>
+              <a:t>}</a:t>
+            </a:r>
+            <a:endParaRPr lang="en-US" sz="1800" i="1" dirty="0" smtClean="0"/>
           </a:p>
         </p:txBody>
       </p:sp>

--- a/trunk/OOPExam/04 File IO, Object Streams and Exceptions.pptx
+++ b/trunk/OOPExam/04 File IO, Object Streams and Exceptions.pptx
@@ -909,6 +909,671 @@
 </file>
 
 <file path=ppt/notesSlides/notesSlide3.xml><?xml version="1.0" encoding="utf-8"?>
+<p:notes xmlns:a="http://schemas.openxmlformats.org/drawingml/2006/main" xmlns:r="http://schemas.openxmlformats.org/officeDocument/2006/relationships" xmlns:p="http://schemas.openxmlformats.org/presentationml/2006/main">
+  <p:cSld>
+    <p:spTree>
+      <p:nvGrpSpPr>
+        <p:cNvPr id="1" name=""/>
+        <p:cNvGrpSpPr/>
+        <p:nvPr/>
+      </p:nvGrpSpPr>
+      <p:grpSpPr>
+        <a:xfrm>
+          <a:off x="0" y="0"/>
+          <a:ext cx="0" cy="0"/>
+          <a:chOff x="0" y="0"/>
+          <a:chExt cx="0" cy="0"/>
+        </a:xfrm>
+      </p:grpSpPr>
+      <p:sp>
+        <p:nvSpPr>
+          <p:cNvPr id="2" name="Pladsholder til diasbillede 1"/>
+          <p:cNvSpPr>
+            <a:spLocks noGrp="1" noRot="1" noChangeAspect="1"/>
+          </p:cNvSpPr>
+          <p:nvPr>
+            <p:ph type="sldImg"/>
+          </p:nvPr>
+        </p:nvSpPr>
+        <p:spPr/>
+      </p:sp>
+      <p:sp>
+        <p:nvSpPr>
+          <p:cNvPr id="3" name="Pladsholder til noter 2"/>
+          <p:cNvSpPr>
+            <a:spLocks noGrp="1"/>
+          </p:cNvSpPr>
+          <p:nvPr>
+            <p:ph type="body" idx="1"/>
+          </p:nvPr>
+        </p:nvSpPr>
+        <p:spPr/>
+        <p:txBody>
+          <a:bodyPr>
+            <a:normAutofit/>
+          </a:bodyPr>
+          <a:lstStyle/>
+          <a:p>
+            <a:r>
+              <a:rPr lang="en-US" sz="1200" kern="1200" baseline="0" dirty="0" smtClean="0">
+                <a:solidFill>
+                  <a:schemeClr val="tx1"/>
+                </a:solidFill>
+                <a:latin typeface="+mn-lt"/>
+                <a:ea typeface="+mn-ea"/>
+                <a:cs typeface="+mn-cs"/>
+              </a:rPr>
+              <a:t>When this program is run, the contents of the original file are written both to the</a:t>
+            </a:r>
+          </a:p>
+          <a:p>
+            <a:r>
+              <a:rPr lang="en-US" sz="1200" kern="1200" baseline="0" dirty="0" smtClean="0">
+                <a:solidFill>
+                  <a:schemeClr val="tx1"/>
+                </a:solidFill>
+                <a:latin typeface="+mn-lt"/>
+                <a:ea typeface="+mn-ea"/>
+                <a:cs typeface="+mn-cs"/>
+              </a:rPr>
+              <a:t>screen and to the new file. Notice the syntax for writing to the console:</a:t>
+            </a:r>
+          </a:p>
+          <a:p>
+            <a:r>
+              <a:rPr lang="en-US" sz="1200" kern="1200" baseline="0" dirty="0" err="1" smtClean="0">
+                <a:solidFill>
+                  <a:schemeClr val="tx1"/>
+                </a:solidFill>
+                <a:latin typeface="+mn-lt"/>
+                <a:ea typeface="+mn-ea"/>
+                <a:cs typeface="+mn-cs"/>
+              </a:rPr>
+              <a:t>Console.WriteLine</a:t>
+            </a:r>
+            <a:r>
+              <a:rPr lang="en-US" sz="1200" kern="1200" baseline="0" dirty="0" smtClean="0">
+                <a:solidFill>
+                  <a:schemeClr val="tx1"/>
+                </a:solidFill>
+                <a:latin typeface="+mn-lt"/>
+                <a:ea typeface="+mn-ea"/>
+                <a:cs typeface="+mn-cs"/>
+              </a:rPr>
+              <a:t>(text);</a:t>
+            </a:r>
+          </a:p>
+          <a:p>
+            <a:r>
+              <a:rPr lang="en-US" sz="1200" kern="1200" baseline="0" dirty="0" smtClean="0">
+                <a:solidFill>
+                  <a:schemeClr val="tx1"/>
+                </a:solidFill>
+                <a:latin typeface="+mn-lt"/>
+                <a:ea typeface="+mn-ea"/>
+                <a:cs typeface="+mn-cs"/>
+              </a:rPr>
+              <a:t>This syntax is nearly identical to that used to write to the file:</a:t>
+            </a:r>
+          </a:p>
+          <a:p>
+            <a:r>
+              <a:rPr lang="en-US" sz="1200" kern="1200" baseline="0" dirty="0" err="1" smtClean="0">
+                <a:solidFill>
+                  <a:schemeClr val="tx1"/>
+                </a:solidFill>
+                <a:latin typeface="+mn-lt"/>
+                <a:ea typeface="+mn-ea"/>
+                <a:cs typeface="+mn-cs"/>
+              </a:rPr>
+              <a:t>writer.WriteLine</a:t>
+            </a:r>
+            <a:r>
+              <a:rPr lang="en-US" sz="1200" kern="1200" baseline="0" dirty="0" smtClean="0">
+                <a:solidFill>
+                  <a:schemeClr val="tx1"/>
+                </a:solidFill>
+                <a:latin typeface="+mn-lt"/>
+                <a:ea typeface="+mn-ea"/>
+                <a:cs typeface="+mn-cs"/>
+              </a:rPr>
+              <a:t>(text);</a:t>
+            </a:r>
+          </a:p>
+          <a:p>
+            <a:r>
+              <a:rPr lang="en-US" sz="1200" kern="1200" baseline="0" dirty="0" smtClean="0">
+                <a:solidFill>
+                  <a:schemeClr val="tx1"/>
+                </a:solidFill>
+                <a:latin typeface="+mn-lt"/>
+                <a:ea typeface="+mn-ea"/>
+                <a:cs typeface="+mn-cs"/>
+              </a:rPr>
+              <a:t>The key difference is that the </a:t>
+            </a:r>
+            <a:r>
+              <a:rPr lang="en-US" sz="1200" kern="1200" baseline="0" dirty="0" err="1" smtClean="0">
+                <a:solidFill>
+                  <a:schemeClr val="tx1"/>
+                </a:solidFill>
+                <a:latin typeface="+mn-lt"/>
+                <a:ea typeface="+mn-ea"/>
+                <a:cs typeface="+mn-cs"/>
+              </a:rPr>
+              <a:t>WriteLine</a:t>
+            </a:r>
+            <a:r>
+              <a:rPr lang="en-US" sz="1200" kern="1200" baseline="0" dirty="0" smtClean="0">
+                <a:solidFill>
+                  <a:schemeClr val="tx1"/>
+                </a:solidFill>
+                <a:latin typeface="+mn-lt"/>
+                <a:ea typeface="+mn-ea"/>
+                <a:cs typeface="+mn-cs"/>
+              </a:rPr>
+              <a:t>( ) method of Console is static, and the</a:t>
+            </a:r>
+          </a:p>
+          <a:p>
+            <a:r>
+              <a:rPr lang="en-US" sz="1200" kern="1200" baseline="0" dirty="0" err="1" smtClean="0">
+                <a:solidFill>
+                  <a:schemeClr val="tx1"/>
+                </a:solidFill>
+                <a:latin typeface="+mn-lt"/>
+                <a:ea typeface="+mn-ea"/>
+                <a:cs typeface="+mn-cs"/>
+              </a:rPr>
+              <a:t>WriteLine</a:t>
+            </a:r>
+            <a:r>
+              <a:rPr lang="en-US" sz="1200" kern="1200" baseline="0" dirty="0" smtClean="0">
+                <a:solidFill>
+                  <a:schemeClr val="tx1"/>
+                </a:solidFill>
+                <a:latin typeface="+mn-lt"/>
+                <a:ea typeface="+mn-ea"/>
+                <a:cs typeface="+mn-cs"/>
+              </a:rPr>
+              <a:t>( ) method of </a:t>
+            </a:r>
+            <a:r>
+              <a:rPr lang="en-US" sz="1200" kern="1200" baseline="0" dirty="0" err="1" smtClean="0">
+                <a:solidFill>
+                  <a:schemeClr val="tx1"/>
+                </a:solidFill>
+                <a:latin typeface="+mn-lt"/>
+                <a:ea typeface="+mn-ea"/>
+                <a:cs typeface="+mn-cs"/>
+              </a:rPr>
+              <a:t>StreamWriter</a:t>
+            </a:r>
+            <a:r>
+              <a:rPr lang="en-US" sz="1200" kern="1200" baseline="0" dirty="0" smtClean="0">
+                <a:solidFill>
+                  <a:schemeClr val="tx1"/>
+                </a:solidFill>
+                <a:latin typeface="+mn-lt"/>
+                <a:ea typeface="+mn-ea"/>
+                <a:cs typeface="+mn-cs"/>
+              </a:rPr>
+              <a:t>, which is inherited from </a:t>
+            </a:r>
+            <a:r>
+              <a:rPr lang="en-US" sz="1200" kern="1200" baseline="0" dirty="0" err="1" smtClean="0">
+                <a:solidFill>
+                  <a:schemeClr val="tx1"/>
+                </a:solidFill>
+                <a:latin typeface="+mn-lt"/>
+                <a:ea typeface="+mn-ea"/>
+                <a:cs typeface="+mn-cs"/>
+              </a:rPr>
+              <a:t>TextWriter</a:t>
+            </a:r>
+            <a:r>
+              <a:rPr lang="en-US" sz="1200" kern="1200" baseline="0" dirty="0" smtClean="0">
+                <a:solidFill>
+                  <a:schemeClr val="tx1"/>
+                </a:solidFill>
+                <a:latin typeface="+mn-lt"/>
+                <a:ea typeface="+mn-ea"/>
+                <a:cs typeface="+mn-cs"/>
+              </a:rPr>
+              <a:t>, is an</a:t>
+            </a:r>
+          </a:p>
+          <a:p>
+            <a:r>
+              <a:rPr lang="en-US" sz="1200" kern="1200" baseline="0" dirty="0" smtClean="0">
+                <a:solidFill>
+                  <a:schemeClr val="tx1"/>
+                </a:solidFill>
+                <a:latin typeface="+mn-lt"/>
+                <a:ea typeface="+mn-ea"/>
+                <a:cs typeface="+mn-cs"/>
+              </a:rPr>
+              <a:t>instance method, and thus must be called on an object rather than on the class itself.</a:t>
+            </a:r>
+            <a:endParaRPr lang="en-US" dirty="0"/>
+          </a:p>
+        </p:txBody>
+      </p:sp>
+      <p:sp>
+        <p:nvSpPr>
+          <p:cNvPr id="4" name="Pladsholder til diasnummer 3"/>
+          <p:cNvSpPr>
+            <a:spLocks noGrp="1"/>
+          </p:cNvSpPr>
+          <p:nvPr>
+            <p:ph type="sldNum" sz="quarter" idx="10"/>
+          </p:nvPr>
+        </p:nvSpPr>
+        <p:spPr/>
+        <p:txBody>
+          <a:bodyPr/>
+          <a:lstStyle/>
+          <a:p>
+            <a:fld id="{4FD341E5-9E5E-46A0-9578-2DC388B5496E}" type="slidenum">
+              <a:rPr lang="en-US" smtClean="0"/>
+              <a:pPr/>
+              <a:t>3</a:t>
+            </a:fld>
+            <a:endParaRPr lang="en-US"/>
+          </a:p>
+        </p:txBody>
+      </p:sp>
+    </p:spTree>
+  </p:cSld>
+  <p:clrMapOvr>
+    <a:masterClrMapping/>
+  </p:clrMapOvr>
+</p:notes>
+</file>
+
+<file path=ppt/notesSlides/notesSlide4.xml><?xml version="1.0" encoding="utf-8"?>
+<p:notes xmlns:a="http://schemas.openxmlformats.org/drawingml/2006/main" xmlns:r="http://schemas.openxmlformats.org/officeDocument/2006/relationships" xmlns:p="http://schemas.openxmlformats.org/presentationml/2006/main">
+  <p:cSld>
+    <p:spTree>
+      <p:nvGrpSpPr>
+        <p:cNvPr id="1" name=""/>
+        <p:cNvGrpSpPr/>
+        <p:nvPr/>
+      </p:nvGrpSpPr>
+      <p:grpSpPr>
+        <a:xfrm>
+          <a:off x="0" y="0"/>
+          <a:ext cx="0" cy="0"/>
+          <a:chOff x="0" y="0"/>
+          <a:chExt cx="0" cy="0"/>
+        </a:xfrm>
+      </p:grpSpPr>
+      <p:sp>
+        <p:nvSpPr>
+          <p:cNvPr id="2" name="Pladsholder til diasbillede 1"/>
+          <p:cNvSpPr>
+            <a:spLocks noGrp="1" noRot="1" noChangeAspect="1"/>
+          </p:cNvSpPr>
+          <p:nvPr>
+            <p:ph type="sldImg"/>
+          </p:nvPr>
+        </p:nvSpPr>
+        <p:spPr/>
+      </p:sp>
+      <p:sp>
+        <p:nvSpPr>
+          <p:cNvPr id="3" name="Pladsholder til noter 2"/>
+          <p:cNvSpPr>
+            <a:spLocks noGrp="1"/>
+          </p:cNvSpPr>
+          <p:nvPr>
+            <p:ph type="body" idx="1"/>
+          </p:nvPr>
+        </p:nvSpPr>
+        <p:spPr/>
+        <p:txBody>
+          <a:bodyPr>
+            <a:normAutofit/>
+          </a:bodyPr>
+          <a:lstStyle/>
+          <a:p>
+            <a:r>
+              <a:rPr lang="en-US" sz="1200" kern="1200" baseline="0" dirty="0" smtClean="0">
+                <a:solidFill>
+                  <a:schemeClr val="tx1"/>
+                </a:solidFill>
+                <a:latin typeface="+mn-lt"/>
+                <a:ea typeface="+mn-ea"/>
+                <a:cs typeface="+mn-cs"/>
+              </a:rPr>
+              <a:t>Saving and loading an object is very handy when you need to load or store an objects state. This used in chat programs over the internet. It is also used in games when you save you state in the game. Is also used  when objects are stored in a database.</a:t>
+            </a:r>
+          </a:p>
+          <a:p>
+            <a:endParaRPr lang="en-US" sz="1200" kern="1200" baseline="0" dirty="0" smtClean="0">
+              <a:solidFill>
+                <a:schemeClr val="tx1"/>
+              </a:solidFill>
+              <a:latin typeface="+mn-lt"/>
+              <a:ea typeface="+mn-ea"/>
+              <a:cs typeface="+mn-cs"/>
+            </a:endParaRPr>
+          </a:p>
+          <a:p>
+            <a:r>
+              <a:rPr lang="en-US" sz="1200" kern="1200" baseline="0" dirty="0" smtClean="0">
+                <a:solidFill>
+                  <a:schemeClr val="tx1"/>
+                </a:solidFill>
+                <a:latin typeface="+mn-lt"/>
+                <a:ea typeface="+mn-ea"/>
+                <a:cs typeface="+mn-cs"/>
+              </a:rPr>
+              <a:t>When an object is streamed to disk, its various member data must be </a:t>
+            </a:r>
+            <a:r>
+              <a:rPr lang="en-US" sz="1200" i="1" kern="1200" baseline="0" dirty="0" smtClean="0">
+                <a:solidFill>
+                  <a:schemeClr val="tx1"/>
+                </a:solidFill>
+                <a:latin typeface="+mn-lt"/>
+                <a:ea typeface="+mn-ea"/>
+                <a:cs typeface="+mn-cs"/>
+              </a:rPr>
+              <a:t>serialized, </a:t>
+            </a:r>
+            <a:r>
+              <a:rPr lang="en-US" sz="1200" kern="1200" baseline="0" dirty="0" smtClean="0">
+                <a:solidFill>
+                  <a:schemeClr val="tx1"/>
+                </a:solidFill>
+                <a:latin typeface="+mn-lt"/>
+                <a:ea typeface="+mn-ea"/>
+                <a:cs typeface="+mn-cs"/>
+              </a:rPr>
+              <a:t>that is, written out to the stream as a series of bytes.</a:t>
+            </a:r>
+          </a:p>
+          <a:p>
+            <a:endParaRPr lang="en-US" dirty="0" smtClean="0"/>
+          </a:p>
+          <a:p>
+            <a:r>
+              <a:rPr lang="en-US" sz="1200" kern="1200" baseline="0" dirty="0" smtClean="0">
+                <a:solidFill>
+                  <a:schemeClr val="tx1"/>
+                </a:solidFill>
+                <a:latin typeface="+mn-lt"/>
+                <a:ea typeface="+mn-ea"/>
+                <a:cs typeface="+mn-cs"/>
+              </a:rPr>
+              <a:t>In any case, the code reading the data expects that data to be in a particular format. Most of the time in a .NET application,</a:t>
+            </a:r>
+          </a:p>
+          <a:p>
+            <a:r>
+              <a:rPr lang="en-US" sz="1200" kern="1200" baseline="0" dirty="0" smtClean="0">
+                <a:solidFill>
+                  <a:schemeClr val="tx1"/>
+                </a:solidFill>
+                <a:latin typeface="+mn-lt"/>
+                <a:ea typeface="+mn-ea"/>
+                <a:cs typeface="+mn-cs"/>
+              </a:rPr>
+              <a:t>the expected format is the native binary format or SOAP. SOAP is a simple, lightweight, XML-based protocol for exchanging</a:t>
+            </a:r>
+          </a:p>
+          <a:p>
+            <a:r>
+              <a:rPr lang="en-US" sz="1200" kern="1200" baseline="0" dirty="0" smtClean="0">
+                <a:solidFill>
+                  <a:schemeClr val="tx1"/>
+                </a:solidFill>
+                <a:latin typeface="+mn-lt"/>
+                <a:ea typeface="+mn-ea"/>
+                <a:cs typeface="+mn-cs"/>
+              </a:rPr>
+              <a:t>information across the Web.</a:t>
+            </a:r>
+          </a:p>
+          <a:p>
+            <a:r>
+              <a:rPr lang="en-US" sz="1200" kern="1200" baseline="0" dirty="0" smtClean="0">
+                <a:solidFill>
+                  <a:schemeClr val="tx1"/>
+                </a:solidFill>
+                <a:latin typeface="+mn-lt"/>
+                <a:ea typeface="+mn-ea"/>
+                <a:cs typeface="+mn-cs"/>
+              </a:rPr>
+              <a:t>When data is serialized, the format of the serialization is determined by the formatter</a:t>
+            </a:r>
+          </a:p>
+          <a:p>
+            <a:r>
+              <a:rPr lang="en-US" sz="1200" kern="1200" baseline="0" dirty="0" smtClean="0">
+                <a:solidFill>
+                  <a:schemeClr val="tx1"/>
+                </a:solidFill>
+                <a:latin typeface="+mn-lt"/>
+                <a:ea typeface="+mn-ea"/>
+                <a:cs typeface="+mn-cs"/>
+              </a:rPr>
+              <a:t>you apply. </a:t>
+            </a:r>
+            <a:r>
+              <a:rPr lang="en-US" sz="1200" kern="1200" baseline="0" dirty="0" err="1" smtClean="0">
+                <a:solidFill>
+                  <a:schemeClr val="tx1"/>
+                </a:solidFill>
+                <a:latin typeface="+mn-lt"/>
+                <a:ea typeface="+mn-ea"/>
+                <a:cs typeface="+mn-cs"/>
+              </a:rPr>
+              <a:t>SoapFormatter</a:t>
+            </a:r>
+            <a:r>
+              <a:rPr lang="en-US" sz="1200" kern="1200" baseline="0" dirty="0" smtClean="0">
+                <a:solidFill>
+                  <a:schemeClr val="tx1"/>
+                </a:solidFill>
+                <a:latin typeface="+mn-lt"/>
+                <a:ea typeface="+mn-ea"/>
+                <a:cs typeface="+mn-cs"/>
+              </a:rPr>
+              <a:t> for use with web services and a </a:t>
+            </a:r>
+            <a:r>
+              <a:rPr lang="en-US" sz="1200" kern="1200" baseline="0" dirty="0" err="1" smtClean="0">
+                <a:solidFill>
+                  <a:schemeClr val="tx1"/>
+                </a:solidFill>
+                <a:latin typeface="+mn-lt"/>
+                <a:ea typeface="+mn-ea"/>
+                <a:cs typeface="+mn-cs"/>
+              </a:rPr>
+              <a:t>BinaryFormatter</a:t>
+            </a:r>
+            <a:endParaRPr lang="en-US" sz="1200" kern="1200" baseline="0" dirty="0" smtClean="0">
+              <a:solidFill>
+                <a:schemeClr val="tx1"/>
+              </a:solidFill>
+              <a:latin typeface="+mn-lt"/>
+              <a:ea typeface="+mn-ea"/>
+              <a:cs typeface="+mn-cs"/>
+            </a:endParaRPr>
+          </a:p>
+          <a:p>
+            <a:r>
+              <a:rPr lang="en-US" sz="1200" kern="1200" baseline="0" dirty="0" smtClean="0">
+                <a:solidFill>
+                  <a:schemeClr val="tx1"/>
+                </a:solidFill>
+                <a:latin typeface="+mn-lt"/>
+                <a:ea typeface="+mn-ea"/>
+                <a:cs typeface="+mn-cs"/>
+              </a:rPr>
+              <a:t>that is useful for fast local storage or </a:t>
+            </a:r>
+            <a:r>
+              <a:rPr lang="en-US" sz="1200" kern="1200" baseline="0" dirty="0" err="1" smtClean="0">
+                <a:solidFill>
+                  <a:schemeClr val="tx1"/>
+                </a:solidFill>
+                <a:latin typeface="+mn-lt"/>
+                <a:ea typeface="+mn-ea"/>
+                <a:cs typeface="+mn-cs"/>
+              </a:rPr>
+              <a:t>remoting</a:t>
+            </a:r>
+            <a:r>
+              <a:rPr lang="en-US" sz="1200" kern="1200" baseline="0" dirty="0" smtClean="0">
+                <a:solidFill>
+                  <a:schemeClr val="tx1"/>
+                </a:solidFill>
+                <a:latin typeface="+mn-lt"/>
+                <a:ea typeface="+mn-ea"/>
+                <a:cs typeface="+mn-cs"/>
+              </a:rPr>
+              <a:t>.</a:t>
+            </a:r>
+            <a:endParaRPr lang="en-US" dirty="0"/>
+          </a:p>
+        </p:txBody>
+      </p:sp>
+      <p:sp>
+        <p:nvSpPr>
+          <p:cNvPr id="4" name="Pladsholder til diasnummer 3"/>
+          <p:cNvSpPr>
+            <a:spLocks noGrp="1"/>
+          </p:cNvSpPr>
+          <p:nvPr>
+            <p:ph type="sldNum" sz="quarter" idx="10"/>
+          </p:nvPr>
+        </p:nvSpPr>
+        <p:spPr/>
+        <p:txBody>
+          <a:bodyPr/>
+          <a:lstStyle/>
+          <a:p>
+            <a:fld id="{4FD341E5-9E5E-46A0-9578-2DC388B5496E}" type="slidenum">
+              <a:rPr lang="en-US" smtClean="0"/>
+              <a:pPr/>
+              <a:t>4</a:t>
+            </a:fld>
+            <a:endParaRPr lang="en-US"/>
+          </a:p>
+        </p:txBody>
+      </p:sp>
+    </p:spTree>
+  </p:cSld>
+  <p:clrMapOvr>
+    <a:masterClrMapping/>
+  </p:clrMapOvr>
+</p:notes>
+</file>
+
+<file path=ppt/notesSlides/notesSlide5.xml><?xml version="1.0" encoding="utf-8"?>
+<p:notes xmlns:a="http://schemas.openxmlformats.org/drawingml/2006/main" xmlns:r="http://schemas.openxmlformats.org/officeDocument/2006/relationships" xmlns:p="http://schemas.openxmlformats.org/presentationml/2006/main">
+  <p:cSld>
+    <p:spTree>
+      <p:nvGrpSpPr>
+        <p:cNvPr id="1" name=""/>
+        <p:cNvGrpSpPr/>
+        <p:nvPr/>
+      </p:nvGrpSpPr>
+      <p:grpSpPr>
+        <a:xfrm>
+          <a:off x="0" y="0"/>
+          <a:ext cx="0" cy="0"/>
+          <a:chOff x="0" y="0"/>
+          <a:chExt cx="0" cy="0"/>
+        </a:xfrm>
+      </p:grpSpPr>
+      <p:sp>
+        <p:nvSpPr>
+          <p:cNvPr id="2" name="Pladsholder til diasbillede 1"/>
+          <p:cNvSpPr>
+            <a:spLocks noGrp="1" noRot="1" noChangeAspect="1"/>
+          </p:cNvSpPr>
+          <p:nvPr>
+            <p:ph type="sldImg"/>
+          </p:nvPr>
+        </p:nvSpPr>
+        <p:spPr/>
+      </p:sp>
+      <p:sp>
+        <p:nvSpPr>
+          <p:cNvPr id="3" name="Pladsholder til noter 2"/>
+          <p:cNvSpPr>
+            <a:spLocks noGrp="1"/>
+          </p:cNvSpPr>
+          <p:nvPr>
+            <p:ph type="body" idx="1"/>
+          </p:nvPr>
+        </p:nvSpPr>
+        <p:spPr/>
+        <p:txBody>
+          <a:bodyPr>
+            <a:normAutofit/>
+          </a:bodyPr>
+          <a:lstStyle/>
+          <a:p>
+            <a:r>
+              <a:rPr lang="en-US" dirty="0" smtClean="0"/>
+              <a:t>Example taken</a:t>
+            </a:r>
+            <a:r>
+              <a:rPr lang="en-US" baseline="0" dirty="0" smtClean="0"/>
+              <a:t> from Marius slide 10A, but there is a missing [</a:t>
+            </a:r>
+            <a:r>
+              <a:rPr lang="en-US" baseline="0" dirty="0" err="1" smtClean="0"/>
+              <a:t>Serializable</a:t>
+            </a:r>
+            <a:r>
+              <a:rPr lang="en-US" baseline="0" dirty="0" smtClean="0"/>
+              <a:t>] in the example!</a:t>
+            </a:r>
+          </a:p>
+          <a:p>
+            <a:endParaRPr lang="en-US" dirty="0"/>
+          </a:p>
+        </p:txBody>
+      </p:sp>
+      <p:sp>
+        <p:nvSpPr>
+          <p:cNvPr id="4" name="Pladsholder til diasnummer 3"/>
+          <p:cNvSpPr>
+            <a:spLocks noGrp="1"/>
+          </p:cNvSpPr>
+          <p:nvPr>
+            <p:ph type="sldNum" sz="quarter" idx="10"/>
+          </p:nvPr>
+        </p:nvSpPr>
+        <p:spPr/>
+        <p:txBody>
+          <a:bodyPr/>
+          <a:lstStyle/>
+          <a:p>
+            <a:fld id="{4FD341E5-9E5E-46A0-9578-2DC388B5496E}" type="slidenum">
+              <a:rPr lang="en-US" smtClean="0"/>
+              <a:pPr/>
+              <a:t>5</a:t>
+            </a:fld>
+            <a:endParaRPr lang="en-US"/>
+          </a:p>
+        </p:txBody>
+      </p:sp>
+    </p:spTree>
+  </p:cSld>
+  <p:clrMapOvr>
+    <a:masterClrMapping/>
+  </p:clrMapOvr>
+</p:notes>
+</file>
+
+<file path=ppt/notesSlides/notesSlide6.xml><?xml version="1.0" encoding="utf-8"?>
 <p:notes xmlns:a="http://schemas.openxmlformats.org/drawingml/2006/main" xmlns:r="http://schemas.openxmlformats.org/officeDocument/2006/relationships" xmlns:p="http://schemas.openxmlformats.org/presentationml/2006/main">
   <p:cSld>
     <p:spTree>
@@ -4267,12 +4932,403 @@
             <p:ph idx="1"/>
           </p:nvPr>
         </p:nvSpPr>
-        <p:spPr/>
-        <p:txBody>
-          <a:bodyPr/>
-          <a:lstStyle/>
-          <a:p>
-            <a:endParaRPr lang="da-DK" dirty="0"/>
+        <p:spPr>
+          <a:xfrm>
+            <a:off x="428596" y="1285860"/>
+            <a:ext cx="8229600" cy="5357850"/>
+          </a:xfrm>
+        </p:spPr>
+        <p:txBody>
+          <a:bodyPr>
+            <a:noAutofit/>
+          </a:bodyPr>
+          <a:lstStyle/>
+          <a:p>
+            <a:pPr>
+              <a:buNone/>
+            </a:pPr>
+            <a:r>
+              <a:rPr lang="en-US" sz="1200" dirty="0" smtClean="0"/>
+              <a:t>private void Run( )</a:t>
+            </a:r>
+          </a:p>
+          <a:p>
+            <a:pPr>
+              <a:buNone/>
+            </a:pPr>
+            <a:r>
+              <a:rPr lang="en-US" sz="1200" dirty="0" smtClean="0"/>
+              <a:t>{	// </a:t>
+            </a:r>
+            <a:r>
+              <a:rPr lang="en-US" sz="1200" dirty="0" smtClean="0"/>
+              <a:t>open a file</a:t>
+            </a:r>
+          </a:p>
+          <a:p>
+            <a:pPr>
+              <a:buNone/>
+            </a:pPr>
+            <a:r>
+              <a:rPr lang="en-US" sz="1200" dirty="0" smtClean="0"/>
+              <a:t>	</a:t>
+            </a:r>
+            <a:r>
+              <a:rPr lang="en-US" sz="1200" dirty="0" err="1" smtClean="0"/>
+              <a:t>FileInfo</a:t>
+            </a:r>
+            <a:r>
+              <a:rPr lang="en-US" sz="1200" dirty="0" smtClean="0"/>
+              <a:t> </a:t>
+            </a:r>
+            <a:r>
+              <a:rPr lang="en-US" sz="1200" dirty="0" err="1" smtClean="0"/>
+              <a:t>theSourceFile</a:t>
+            </a:r>
+            <a:r>
+              <a:rPr lang="en-US" sz="1200" dirty="0" smtClean="0"/>
+              <a:t> = new </a:t>
+            </a:r>
+            <a:r>
+              <a:rPr lang="en-US" sz="1200" dirty="0" err="1" smtClean="0"/>
+              <a:t>FileInfo</a:t>
+            </a:r>
+            <a:r>
+              <a:rPr lang="en-US" sz="1200" dirty="0" smtClean="0"/>
+              <a:t>(</a:t>
+            </a:r>
+          </a:p>
+          <a:p>
+            <a:pPr>
+              <a:buNone/>
+            </a:pPr>
+            <a:r>
+              <a:rPr lang="en-US" sz="1200" dirty="0" smtClean="0"/>
+              <a:t>		@"</a:t>
+            </a:r>
+            <a:r>
+              <a:rPr lang="en-US" sz="1200" dirty="0" smtClean="0"/>
+              <a:t>C:\test\source\test.cs");</a:t>
+            </a:r>
+          </a:p>
+          <a:p>
+            <a:pPr>
+              <a:buNone/>
+            </a:pPr>
+            <a:r>
+              <a:rPr lang="en-US" sz="1200" dirty="0" smtClean="0"/>
+              <a:t>	// </a:t>
+            </a:r>
+            <a:r>
+              <a:rPr lang="en-US" sz="1200" dirty="0" smtClean="0"/>
+              <a:t>create a text reader for that file</a:t>
+            </a:r>
+          </a:p>
+          <a:p>
+            <a:pPr>
+              <a:buNone/>
+            </a:pPr>
+            <a:r>
+              <a:rPr lang="en-US" sz="1200" dirty="0" smtClean="0"/>
+              <a:t>	</a:t>
+            </a:r>
+            <a:r>
+              <a:rPr lang="en-US" sz="1200" dirty="0" err="1" smtClean="0"/>
+              <a:t>StreamReader</a:t>
+            </a:r>
+            <a:r>
+              <a:rPr lang="en-US" sz="1200" dirty="0" smtClean="0"/>
+              <a:t> </a:t>
+            </a:r>
+            <a:r>
+              <a:rPr lang="en-US" sz="1200" dirty="0" smtClean="0"/>
+              <a:t>reader = </a:t>
+            </a:r>
+            <a:r>
+              <a:rPr lang="en-US" sz="1200" dirty="0" err="1" smtClean="0"/>
+              <a:t>theSourceFile.OpenText</a:t>
+            </a:r>
+            <a:r>
+              <a:rPr lang="en-US" sz="1200" dirty="0" smtClean="0"/>
+              <a:t>( );</a:t>
+            </a:r>
+          </a:p>
+          <a:p>
+            <a:pPr>
+              <a:buNone/>
+            </a:pPr>
+            <a:r>
+              <a:rPr lang="en-US" sz="1200" dirty="0" smtClean="0"/>
+              <a:t>	// </a:t>
+            </a:r>
+            <a:r>
+              <a:rPr lang="en-US" sz="1200" dirty="0" smtClean="0"/>
+              <a:t>create a text writer to the new file</a:t>
+            </a:r>
+          </a:p>
+          <a:p>
+            <a:pPr>
+              <a:buNone/>
+            </a:pPr>
+            <a:r>
+              <a:rPr lang="en-US" sz="1200" dirty="0" smtClean="0"/>
+              <a:t>	</a:t>
+            </a:r>
+            <a:r>
+              <a:rPr lang="en-US" sz="1200" dirty="0" err="1" smtClean="0"/>
+              <a:t>StreamWriter</a:t>
+            </a:r>
+            <a:r>
+              <a:rPr lang="en-US" sz="1200" dirty="0" smtClean="0"/>
+              <a:t> </a:t>
+            </a:r>
+            <a:r>
+              <a:rPr lang="en-US" sz="1200" dirty="0" smtClean="0"/>
+              <a:t>writer = new </a:t>
+            </a:r>
+            <a:r>
+              <a:rPr lang="en-US" sz="1200" dirty="0" err="1" smtClean="0"/>
+              <a:t>StreamWriter</a:t>
+            </a:r>
+            <a:r>
+              <a:rPr lang="en-US" sz="1200" dirty="0" smtClean="0"/>
+              <a:t>(</a:t>
+            </a:r>
+          </a:p>
+          <a:p>
+            <a:pPr>
+              <a:buNone/>
+            </a:pPr>
+            <a:r>
+              <a:rPr lang="en-US" sz="1200" dirty="0" smtClean="0"/>
+              <a:t>		@"</a:t>
+            </a:r>
+            <a:r>
+              <a:rPr lang="en-US" sz="1200" dirty="0" smtClean="0"/>
+              <a:t>C:\test\source\test.bak", false</a:t>
+            </a:r>
+            <a:r>
+              <a:rPr lang="en-US" sz="1200" dirty="0" smtClean="0"/>
+              <a:t>);</a:t>
+            </a:r>
+          </a:p>
+          <a:p>
+            <a:pPr>
+              <a:buNone/>
+            </a:pPr>
+            <a:r>
+              <a:rPr lang="en-US" sz="1200" dirty="0" smtClean="0"/>
+              <a:t>	// </a:t>
+            </a:r>
+            <a:r>
+              <a:rPr lang="en-US" sz="1200" dirty="0" smtClean="0"/>
+              <a:t>create a text variable to hold each line</a:t>
+            </a:r>
+          </a:p>
+          <a:p>
+            <a:pPr>
+              <a:buNone/>
+            </a:pPr>
+            <a:r>
+              <a:rPr lang="en-US" sz="1200" dirty="0" smtClean="0"/>
+              <a:t>	string </a:t>
+            </a:r>
+            <a:r>
+              <a:rPr lang="en-US" sz="1200" dirty="0" smtClean="0"/>
+              <a:t>text;</a:t>
+            </a:r>
+          </a:p>
+          <a:p>
+            <a:pPr>
+              <a:buNone/>
+            </a:pPr>
+            <a:r>
+              <a:rPr lang="en-US" sz="1200" dirty="0" smtClean="0"/>
+              <a:t>	// </a:t>
+            </a:r>
+            <a:r>
+              <a:rPr lang="en-US" sz="1200" dirty="0" smtClean="0"/>
+              <a:t>walk the file and read every line</a:t>
+            </a:r>
+          </a:p>
+          <a:p>
+            <a:pPr>
+              <a:buNone/>
+            </a:pPr>
+            <a:r>
+              <a:rPr lang="en-US" sz="1200" dirty="0" smtClean="0"/>
+              <a:t>	// </a:t>
+            </a:r>
+            <a:r>
+              <a:rPr lang="en-US" sz="1200" dirty="0" smtClean="0"/>
+              <a:t>writing both to the console</a:t>
+            </a:r>
+          </a:p>
+          <a:p>
+            <a:pPr>
+              <a:buNone/>
+            </a:pPr>
+            <a:r>
+              <a:rPr lang="en-US" sz="1200" dirty="0" smtClean="0"/>
+              <a:t>	// </a:t>
+            </a:r>
+            <a:r>
+              <a:rPr lang="en-US" sz="1200" dirty="0" smtClean="0"/>
+              <a:t>and to the file</a:t>
+            </a:r>
+          </a:p>
+          <a:p>
+            <a:pPr>
+              <a:buNone/>
+            </a:pPr>
+            <a:r>
+              <a:rPr lang="en-US" sz="1200" dirty="0" smtClean="0"/>
+              <a:t>	do</a:t>
+            </a:r>
+            <a:endParaRPr lang="en-US" sz="1200" dirty="0" smtClean="0"/>
+          </a:p>
+          <a:p>
+            <a:pPr>
+              <a:buNone/>
+            </a:pPr>
+            <a:r>
+              <a:rPr lang="en-US" sz="1200" dirty="0" smtClean="0"/>
+              <a:t>	{</a:t>
+            </a:r>
+            <a:endParaRPr lang="en-US" sz="1200" dirty="0" smtClean="0"/>
+          </a:p>
+          <a:p>
+            <a:pPr>
+              <a:buNone/>
+            </a:pPr>
+            <a:r>
+              <a:rPr lang="en-US" sz="1200" dirty="0" smtClean="0"/>
+              <a:t>		text </a:t>
+            </a:r>
+            <a:r>
+              <a:rPr lang="en-US" sz="1200" dirty="0" smtClean="0"/>
+              <a:t>= </a:t>
+            </a:r>
+            <a:r>
+              <a:rPr lang="en-US" sz="1200" dirty="0" err="1" smtClean="0"/>
+              <a:t>reader.ReadLine</a:t>
+            </a:r>
+            <a:r>
+              <a:rPr lang="en-US" sz="1200" dirty="0" smtClean="0"/>
+              <a:t>( );</a:t>
+            </a:r>
+          </a:p>
+          <a:p>
+            <a:pPr>
+              <a:buNone/>
+            </a:pPr>
+            <a:r>
+              <a:rPr lang="en-US" sz="1200" dirty="0" smtClean="0"/>
+              <a:t>		</a:t>
+            </a:r>
+            <a:r>
+              <a:rPr lang="en-US" sz="1200" dirty="0" err="1" smtClean="0"/>
+              <a:t>writer.WriteLine</a:t>
+            </a:r>
+            <a:r>
+              <a:rPr lang="en-US" sz="1200" dirty="0" smtClean="0"/>
+              <a:t>(text</a:t>
+            </a:r>
+            <a:r>
+              <a:rPr lang="en-US" sz="1200" dirty="0" smtClean="0"/>
+              <a:t>);</a:t>
+            </a:r>
+          </a:p>
+          <a:p>
+            <a:pPr>
+              <a:buNone/>
+            </a:pPr>
+            <a:r>
+              <a:rPr lang="en-US" sz="1200" dirty="0" smtClean="0"/>
+              <a:t>		</a:t>
+            </a:r>
+            <a:r>
+              <a:rPr lang="en-US" sz="1200" dirty="0" err="1" smtClean="0"/>
+              <a:t>Console.WriteLine</a:t>
+            </a:r>
+            <a:r>
+              <a:rPr lang="en-US" sz="1200" dirty="0" smtClean="0"/>
+              <a:t>(text</a:t>
+            </a:r>
+            <a:r>
+              <a:rPr lang="en-US" sz="1200" dirty="0" smtClean="0"/>
+              <a:t>);</a:t>
+            </a:r>
+          </a:p>
+          <a:p>
+            <a:pPr>
+              <a:buNone/>
+            </a:pPr>
+            <a:r>
+              <a:rPr lang="en-US" sz="1200" dirty="0" smtClean="0"/>
+              <a:t>	}while </a:t>
+            </a:r>
+            <a:r>
+              <a:rPr lang="en-US" sz="1200" dirty="0" smtClean="0"/>
+              <a:t>(text != null);</a:t>
+            </a:r>
+          </a:p>
+          <a:p>
+            <a:pPr>
+              <a:buNone/>
+            </a:pPr>
+            <a:r>
+              <a:rPr lang="en-US" sz="1200" dirty="0" smtClean="0"/>
+              <a:t>	// </a:t>
+            </a:r>
+            <a:r>
+              <a:rPr lang="en-US" sz="1200" dirty="0" smtClean="0"/>
+              <a:t>tidy up</a:t>
+            </a:r>
+          </a:p>
+          <a:p>
+            <a:pPr>
+              <a:buNone/>
+            </a:pPr>
+            <a:r>
+              <a:rPr lang="en-US" sz="1200" dirty="0" smtClean="0"/>
+              <a:t>	</a:t>
+            </a:r>
+            <a:r>
+              <a:rPr lang="en-US" sz="1200" dirty="0" err="1" smtClean="0"/>
+              <a:t>reader.Close</a:t>
+            </a:r>
+            <a:r>
+              <a:rPr lang="en-US" sz="1200" dirty="0" smtClean="0"/>
+              <a:t>( );</a:t>
+            </a:r>
+          </a:p>
+          <a:p>
+            <a:pPr>
+              <a:buNone/>
+            </a:pPr>
+            <a:r>
+              <a:rPr lang="en-US" sz="1200" dirty="0" smtClean="0"/>
+              <a:t>	</a:t>
+            </a:r>
+            <a:r>
+              <a:rPr lang="en-US" sz="1200" dirty="0" err="1" smtClean="0"/>
+              <a:t>writer.Close</a:t>
+            </a:r>
+            <a:r>
+              <a:rPr lang="en-US" sz="1200" dirty="0" smtClean="0"/>
+              <a:t>( );</a:t>
+            </a:r>
+          </a:p>
+          <a:p>
+            <a:pPr>
+              <a:buNone/>
+            </a:pPr>
+            <a:r>
+              <a:rPr lang="en-US" sz="1200" dirty="0" smtClean="0"/>
+              <a:t>}</a:t>
+            </a:r>
+            <a:endParaRPr lang="da-DK" sz="1200" dirty="0"/>
           </a:p>
         </p:txBody>
       </p:sp>
@@ -4302,39 +5358,6 @@
           </a:p>
         </p:txBody>
       </p:sp>
-      <p:pic>
-        <p:nvPicPr>
-          <p:cNvPr id="1028" name="Picture 4"/>
-          <p:cNvPicPr>
-            <a:picLocks noChangeAspect="1" noChangeArrowheads="1"/>
-          </p:cNvPicPr>
-          <p:nvPr/>
-        </p:nvPicPr>
-        <p:blipFill>
-          <a:blip r:embed="rId2" cstate="print"/>
-          <a:srcRect/>
-          <a:stretch>
-            <a:fillRect/>
-          </a:stretch>
-        </p:blipFill>
-        <p:spPr bwMode="auto">
-          <a:xfrm>
-            <a:off x="571472" y="2143116"/>
-            <a:ext cx="5648325" cy="4505325"/>
-          </a:xfrm>
-          <a:prstGeom prst="rect">
-            <a:avLst/>
-          </a:prstGeom>
-          <a:noFill/>
-          <a:ln w="9525">
-            <a:noFill/>
-            <a:miter lim="800000"/>
-            <a:headEnd/>
-            <a:tailEnd/>
-          </a:ln>
-          <a:effectLst/>
-        </p:spPr>
-      </p:pic>
     </p:spTree>
   </p:cSld>
   <p:clrMapOvr>
@@ -4400,8 +5423,21 @@
           <a:p>
             <a:r>
               <a:rPr lang="en-US" dirty="0" smtClean="0"/>
-              <a:t>How to store and load objects on files</a:t>
-            </a:r>
+              <a:t>Why do we want to store or load objects</a:t>
+            </a:r>
+          </a:p>
+          <a:p>
+            <a:r>
+              <a:rPr lang="en-US" dirty="0" smtClean="0"/>
+              <a:t>Serialization when working with objects</a:t>
+            </a:r>
+          </a:p>
+          <a:p>
+            <a:r>
+              <a:rPr lang="en-US" dirty="0" smtClean="0"/>
+              <a:t>Using a Formatter</a:t>
+            </a:r>
+            <a:endParaRPr lang="en-US" dirty="0" smtClean="0"/>
           </a:p>
         </p:txBody>
       </p:sp>
@@ -4465,10 +5501,474 @@
         </p:nvSpPr>
         <p:spPr/>
         <p:txBody>
-          <a:bodyPr/>
-          <a:lstStyle/>
-          <a:p>
-            <a:endParaRPr lang="da-DK"/>
+          <a:bodyPr>
+            <a:normAutofit fontScale="32500" lnSpcReduction="20000"/>
+          </a:bodyPr>
+          <a:lstStyle/>
+          <a:p>
+            <a:endParaRPr lang="en-US" dirty="0" smtClean="0"/>
+          </a:p>
+          <a:p>
+            <a:pPr>
+              <a:buNone/>
+            </a:pPr>
+            <a:r>
+              <a:rPr lang="en-US" dirty="0" smtClean="0"/>
+              <a:t>using System.IO;</a:t>
+            </a:r>
+          </a:p>
+          <a:p>
+            <a:pPr>
+              <a:buNone/>
+            </a:pPr>
+            <a:r>
+              <a:rPr lang="en-US" dirty="0" smtClean="0"/>
+              <a:t>using </a:t>
+            </a:r>
+            <a:r>
+              <a:rPr lang="en-US" dirty="0" err="1" smtClean="0"/>
+              <a:t>System.Runtime.Serialization.Formatters.Binary</a:t>
+            </a:r>
+            <a:r>
+              <a:rPr lang="en-US" dirty="0" smtClean="0"/>
+              <a:t>;</a:t>
+            </a:r>
+          </a:p>
+          <a:p>
+            <a:pPr>
+              <a:buNone/>
+            </a:pPr>
+            <a:r>
+              <a:rPr lang="en-US" dirty="0" smtClean="0"/>
+              <a:t>namespace </a:t>
+            </a:r>
+            <a:r>
+              <a:rPr lang="en-US" dirty="0" err="1" smtClean="0"/>
+              <a:t>ObjectStreamTest</a:t>
+            </a:r>
+            <a:endParaRPr lang="en-US" dirty="0" smtClean="0"/>
+          </a:p>
+          <a:p>
+            <a:pPr>
+              <a:buNone/>
+            </a:pPr>
+            <a:r>
+              <a:rPr lang="en-US" dirty="0" smtClean="0"/>
+              <a:t>{</a:t>
+            </a:r>
+          </a:p>
+          <a:p>
+            <a:pPr>
+              <a:buNone/>
+            </a:pPr>
+            <a:r>
+              <a:rPr lang="en-US" dirty="0" smtClean="0"/>
+              <a:t>	[</a:t>
+            </a:r>
+            <a:r>
+              <a:rPr lang="en-US" dirty="0" err="1" smtClean="0"/>
+              <a:t>Serializable</a:t>
+            </a:r>
+            <a:r>
+              <a:rPr lang="en-US" dirty="0" smtClean="0"/>
+              <a:t>]</a:t>
+            </a:r>
+            <a:endParaRPr lang="en-US" dirty="0" smtClean="0"/>
+          </a:p>
+          <a:p>
+            <a:pPr>
+              <a:buNone/>
+            </a:pPr>
+            <a:r>
+              <a:rPr lang="en-US" dirty="0" smtClean="0"/>
+              <a:t>	public </a:t>
+            </a:r>
+            <a:r>
+              <a:rPr lang="en-US" dirty="0" smtClean="0"/>
+              <a:t>class </a:t>
+            </a:r>
+            <a:r>
+              <a:rPr lang="en-US" dirty="0" err="1" smtClean="0"/>
+              <a:t>ObjectStream</a:t>
+            </a:r>
+            <a:endParaRPr lang="en-US" dirty="0" smtClean="0"/>
+          </a:p>
+          <a:p>
+            <a:pPr>
+              <a:buNone/>
+            </a:pPr>
+            <a:r>
+              <a:rPr lang="en-US" dirty="0" smtClean="0"/>
+              <a:t>	{</a:t>
+            </a:r>
+            <a:endParaRPr lang="en-US" dirty="0" smtClean="0"/>
+          </a:p>
+          <a:p>
+            <a:pPr>
+              <a:buNone/>
+            </a:pPr>
+            <a:r>
+              <a:rPr lang="en-US" dirty="0" smtClean="0"/>
+              <a:t>		static </a:t>
+            </a:r>
+            <a:r>
+              <a:rPr lang="en-US" dirty="0" smtClean="0"/>
+              <a:t>public void Save(object data)</a:t>
+            </a:r>
+          </a:p>
+          <a:p>
+            <a:pPr>
+              <a:buNone/>
+            </a:pPr>
+            <a:r>
+              <a:rPr lang="en-US" dirty="0" smtClean="0"/>
+              <a:t>		{</a:t>
+            </a:r>
+            <a:endParaRPr lang="en-US" dirty="0" smtClean="0"/>
+          </a:p>
+          <a:p>
+            <a:pPr>
+              <a:buNone/>
+            </a:pPr>
+            <a:r>
+              <a:rPr lang="en-US" dirty="0" smtClean="0"/>
+              <a:t>			</a:t>
+            </a:r>
+            <a:r>
+              <a:rPr lang="en-US" dirty="0" err="1" smtClean="0"/>
+              <a:t>FileStream</a:t>
+            </a:r>
+            <a:r>
+              <a:rPr lang="en-US" dirty="0" smtClean="0"/>
+              <a:t> </a:t>
+            </a:r>
+            <a:r>
+              <a:rPr lang="en-US" dirty="0" smtClean="0"/>
+              <a:t>file = new </a:t>
+            </a:r>
+            <a:r>
+              <a:rPr lang="en-US" dirty="0" err="1" smtClean="0"/>
+              <a:t>FileStream</a:t>
+            </a:r>
+            <a:r>
+              <a:rPr lang="en-US" dirty="0" smtClean="0"/>
+              <a:t>("store.bin", </a:t>
+            </a:r>
+            <a:r>
+              <a:rPr lang="en-US" dirty="0" err="1" smtClean="0"/>
+              <a:t>FileMode.Create</a:t>
+            </a:r>
+            <a:r>
+              <a:rPr lang="en-US" dirty="0" smtClean="0"/>
+              <a:t>);</a:t>
+            </a:r>
+          </a:p>
+          <a:p>
+            <a:pPr>
+              <a:buNone/>
+            </a:pPr>
+            <a:r>
+              <a:rPr lang="en-US" dirty="0" smtClean="0"/>
+              <a:t>			</a:t>
+            </a:r>
+            <a:r>
+              <a:rPr lang="en-US" dirty="0" err="1" smtClean="0"/>
+              <a:t>BinaryFormatter</a:t>
+            </a:r>
+            <a:r>
+              <a:rPr lang="en-US" dirty="0" smtClean="0"/>
+              <a:t> </a:t>
+            </a:r>
+            <a:r>
+              <a:rPr lang="en-US" dirty="0" smtClean="0"/>
+              <a:t>formatter = new </a:t>
+            </a:r>
+            <a:r>
+              <a:rPr lang="en-US" dirty="0" err="1" smtClean="0"/>
+              <a:t>BinaryFormatter</a:t>
+            </a:r>
+            <a:r>
+              <a:rPr lang="en-US" dirty="0" smtClean="0"/>
+              <a:t>();</a:t>
+            </a:r>
+          </a:p>
+          <a:p>
+            <a:pPr>
+              <a:buNone/>
+            </a:pPr>
+            <a:r>
+              <a:rPr lang="en-US" dirty="0" smtClean="0"/>
+              <a:t>			</a:t>
+            </a:r>
+            <a:r>
+              <a:rPr lang="en-US" dirty="0" err="1" smtClean="0"/>
+              <a:t>formatter.Serialize</a:t>
+            </a:r>
+            <a:r>
+              <a:rPr lang="en-US" dirty="0" smtClean="0"/>
+              <a:t>(file</a:t>
+            </a:r>
+            <a:r>
+              <a:rPr lang="en-US" dirty="0" smtClean="0"/>
+              <a:t>, data);</a:t>
+            </a:r>
+          </a:p>
+          <a:p>
+            <a:pPr>
+              <a:buNone/>
+            </a:pPr>
+            <a:r>
+              <a:rPr lang="en-US" dirty="0" smtClean="0"/>
+              <a:t>			</a:t>
+            </a:r>
+            <a:r>
+              <a:rPr lang="en-US" dirty="0" err="1" smtClean="0"/>
+              <a:t>file.Close</a:t>
+            </a:r>
+            <a:r>
+              <a:rPr lang="en-US" dirty="0" smtClean="0"/>
+              <a:t>(); </a:t>
+            </a:r>
+          </a:p>
+          <a:p>
+            <a:pPr>
+              <a:buNone/>
+            </a:pPr>
+            <a:r>
+              <a:rPr lang="en-US" dirty="0" smtClean="0"/>
+              <a:t>		}</a:t>
+            </a:r>
+            <a:endParaRPr lang="en-US" dirty="0" smtClean="0"/>
+          </a:p>
+          <a:p>
+            <a:pPr>
+              <a:buNone/>
+            </a:pPr>
+            <a:r>
+              <a:rPr lang="en-US" dirty="0" smtClean="0"/>
+              <a:t>		static </a:t>
+            </a:r>
+            <a:r>
+              <a:rPr lang="en-US" dirty="0" smtClean="0"/>
+              <a:t>public object Load()</a:t>
+            </a:r>
+          </a:p>
+          <a:p>
+            <a:pPr>
+              <a:buNone/>
+            </a:pPr>
+            <a:r>
+              <a:rPr lang="en-US" dirty="0" smtClean="0"/>
+              <a:t>		{</a:t>
+            </a:r>
+            <a:endParaRPr lang="en-US" dirty="0" smtClean="0"/>
+          </a:p>
+          <a:p>
+            <a:pPr>
+              <a:buNone/>
+            </a:pPr>
+            <a:r>
+              <a:rPr lang="en-US" dirty="0" smtClean="0"/>
+              <a:t>			</a:t>
+            </a:r>
+            <a:r>
+              <a:rPr lang="en-US" dirty="0" err="1" smtClean="0"/>
+              <a:t>FileStream</a:t>
+            </a:r>
+            <a:r>
+              <a:rPr lang="en-US" dirty="0" smtClean="0"/>
+              <a:t> </a:t>
+            </a:r>
+            <a:r>
+              <a:rPr lang="en-US" dirty="0" smtClean="0"/>
+              <a:t>file = new </a:t>
+            </a:r>
+            <a:r>
+              <a:rPr lang="en-US" dirty="0" err="1" smtClean="0"/>
+              <a:t>FileStream</a:t>
+            </a:r>
+            <a:r>
+              <a:rPr lang="en-US" dirty="0" smtClean="0"/>
+              <a:t>("store.bin", </a:t>
+            </a:r>
+            <a:r>
+              <a:rPr lang="en-US" dirty="0" err="1" smtClean="0"/>
+              <a:t>FileMode.OpenOrCreate</a:t>
+            </a:r>
+            <a:r>
+              <a:rPr lang="en-US" dirty="0" smtClean="0"/>
+              <a:t>);</a:t>
+            </a:r>
+          </a:p>
+          <a:p>
+            <a:pPr>
+              <a:buNone/>
+            </a:pPr>
+            <a:r>
+              <a:rPr lang="en-US" dirty="0" smtClean="0"/>
+              <a:t>			object </a:t>
+            </a:r>
+            <a:r>
+              <a:rPr lang="en-US" dirty="0" smtClean="0"/>
+              <a:t>data = null;</a:t>
+            </a:r>
+          </a:p>
+          <a:p>
+            <a:pPr>
+              <a:buNone/>
+            </a:pPr>
+            <a:r>
+              <a:rPr lang="en-US" dirty="0" smtClean="0"/>
+              <a:t>			if </a:t>
+            </a:r>
+            <a:r>
+              <a:rPr lang="en-US" dirty="0" smtClean="0"/>
+              <a:t>(</a:t>
+            </a:r>
+            <a:r>
+              <a:rPr lang="en-US" dirty="0" err="1" smtClean="0"/>
+              <a:t>file.Length</a:t>
+            </a:r>
+            <a:r>
+              <a:rPr lang="en-US" dirty="0" smtClean="0"/>
+              <a:t> != 0)</a:t>
+            </a:r>
+          </a:p>
+          <a:p>
+            <a:pPr>
+              <a:buNone/>
+            </a:pPr>
+            <a:r>
+              <a:rPr lang="en-US" dirty="0" smtClean="0"/>
+              <a:t>			{</a:t>
+            </a:r>
+            <a:endParaRPr lang="en-US" dirty="0" smtClean="0"/>
+          </a:p>
+          <a:p>
+            <a:pPr>
+              <a:buNone/>
+            </a:pPr>
+            <a:r>
+              <a:rPr lang="en-US" dirty="0" smtClean="0"/>
+              <a:t>				</a:t>
+            </a:r>
+            <a:r>
+              <a:rPr lang="en-US" dirty="0" err="1" smtClean="0"/>
+              <a:t>BinaryFormatter</a:t>
+            </a:r>
+            <a:r>
+              <a:rPr lang="en-US" dirty="0" smtClean="0"/>
+              <a:t> </a:t>
+            </a:r>
+            <a:r>
+              <a:rPr lang="en-US" dirty="0" smtClean="0"/>
+              <a:t>formatter = new </a:t>
+            </a:r>
+            <a:r>
+              <a:rPr lang="en-US" dirty="0" err="1" smtClean="0"/>
+              <a:t>BinaryFormatter</a:t>
+            </a:r>
+            <a:r>
+              <a:rPr lang="en-US" dirty="0" smtClean="0"/>
+              <a:t>();</a:t>
+            </a:r>
+          </a:p>
+          <a:p>
+            <a:pPr>
+              <a:buNone/>
+            </a:pPr>
+            <a:r>
+              <a:rPr lang="en-US" dirty="0" smtClean="0"/>
+              <a:t>				data </a:t>
+            </a:r>
+            <a:r>
+              <a:rPr lang="en-US" dirty="0" smtClean="0"/>
+              <a:t>= </a:t>
+            </a:r>
+            <a:r>
+              <a:rPr lang="en-US" dirty="0" err="1" smtClean="0"/>
+              <a:t>formatter.Deserialize</a:t>
+            </a:r>
+            <a:r>
+              <a:rPr lang="en-US" dirty="0" smtClean="0"/>
+              <a:t>(file);</a:t>
+            </a:r>
+          </a:p>
+          <a:p>
+            <a:pPr>
+              <a:buNone/>
+            </a:pPr>
+            <a:r>
+              <a:rPr lang="en-US" dirty="0" smtClean="0"/>
+              <a:t>			}</a:t>
+            </a:r>
+            <a:endParaRPr lang="en-US" dirty="0" smtClean="0"/>
+          </a:p>
+          <a:p>
+            <a:pPr>
+              <a:buNone/>
+            </a:pPr>
+            <a:r>
+              <a:rPr lang="en-US" dirty="0" smtClean="0"/>
+              <a:t>			</a:t>
+            </a:r>
+            <a:r>
+              <a:rPr lang="en-US" dirty="0" err="1" smtClean="0"/>
+              <a:t>file.Close</a:t>
+            </a:r>
+            <a:r>
+              <a:rPr lang="en-US" dirty="0" smtClean="0"/>
+              <a:t>();</a:t>
+            </a:r>
+          </a:p>
+          <a:p>
+            <a:pPr>
+              <a:buNone/>
+            </a:pPr>
+            <a:r>
+              <a:rPr lang="en-US" dirty="0" smtClean="0"/>
+              <a:t>			return </a:t>
+            </a:r>
+            <a:r>
+              <a:rPr lang="en-US" dirty="0" smtClean="0"/>
+              <a:t>data;</a:t>
+            </a:r>
+          </a:p>
+          <a:p>
+            <a:pPr>
+              <a:buNone/>
+            </a:pPr>
+            <a:r>
+              <a:rPr lang="en-US" dirty="0" smtClean="0"/>
+              <a:t>		}</a:t>
+            </a:r>
+            <a:endParaRPr lang="en-US" dirty="0" smtClean="0"/>
+          </a:p>
+          <a:p>
+            <a:pPr>
+              <a:buNone/>
+            </a:pPr>
+            <a:r>
+              <a:rPr lang="en-US" dirty="0" smtClean="0"/>
+              <a:t>	}</a:t>
+            </a:r>
+            <a:endParaRPr lang="en-US" dirty="0" smtClean="0"/>
+          </a:p>
+          <a:p>
+            <a:pPr>
+              <a:buNone/>
+            </a:pPr>
+            <a:r>
+              <a:rPr lang="en-US" dirty="0" smtClean="0"/>
+              <a:t>} </a:t>
+            </a:r>
+            <a:endParaRPr lang="en-US" dirty="0" smtClean="0"/>
+          </a:p>
+          <a:p>
+            <a:pPr>
+              <a:buNone/>
+            </a:pPr>
+            <a:endParaRPr lang="da-DK" dirty="0"/>
           </a:p>
         </p:txBody>
       </p:sp>
@@ -4695,27 +6195,17 @@
             </a:pPr>
             <a:r>
               <a:rPr lang="en-US" sz="1800" dirty="0" smtClean="0"/>
-              <a:t>using </a:t>
-            </a:r>
+              <a:t>using System.IO; </a:t>
+            </a:r>
+          </a:p>
+          <a:p>
+            <a:pPr>
+              <a:buNone/>
+            </a:pPr>
             <a:r>
               <a:rPr lang="en-US" sz="1800" dirty="0" smtClean="0"/>
-              <a:t>System.IO; </a:t>
-            </a:r>
-            <a:endParaRPr lang="en-US" sz="1800" dirty="0" smtClean="0"/>
-          </a:p>
-          <a:p>
-            <a:pPr>
-              <a:buNone/>
-            </a:pPr>
-            <a:r>
-              <a:rPr lang="en-US" sz="1800" dirty="0" smtClean="0"/>
-              <a:t>class </a:t>
-            </a:r>
-            <a:r>
-              <a:rPr lang="en-US" sz="1800" dirty="0" smtClean="0"/>
-              <a:t>Test </a:t>
-            </a:r>
-            <a:endParaRPr lang="en-US" sz="1800" dirty="0" smtClean="0"/>
+              <a:t>class Test </a:t>
+            </a:r>
           </a:p>
           <a:p>
             <a:pPr>
@@ -4732,17 +6222,26 @@
             </a:pPr>
             <a:r>
               <a:rPr lang="en-US" sz="1800" dirty="0" smtClean="0"/>
-              <a:t>	</a:t>
-            </a:r>
+              <a:t>	public static void Main() </a:t>
+            </a:r>
+          </a:p>
+          <a:p>
+            <a:pPr>
+              <a:buNone/>
+            </a:pPr>
             <a:r>
               <a:rPr lang="en-US" sz="1800" dirty="0" smtClean="0"/>
-              <a:t>public </a:t>
-            </a:r>
+              <a:t>	{</a:t>
+            </a:r>
+          </a:p>
+          <a:p>
+            <a:pPr>
+              <a:buNone/>
+            </a:pPr>
             <a:r>
               <a:rPr lang="en-US" sz="1800" dirty="0" smtClean="0"/>
-              <a:t>static void Main() </a:t>
-            </a:r>
-            <a:endParaRPr lang="en-US" sz="1800" dirty="0" smtClean="0"/>
+              <a:t>		 try </a:t>
+            </a:r>
           </a:p>
           <a:p>
             <a:pPr>
@@ -4750,50 +6249,11 @@
             </a:pPr>
             <a:r>
               <a:rPr lang="en-US" sz="1800" dirty="0" smtClean="0"/>
-              <a:t>	</a:t>
-            </a:r>
-            <a:r>
-              <a:rPr lang="en-US" sz="1800" dirty="0" smtClean="0"/>
-              <a:t>{</a:t>
-            </a:r>
-          </a:p>
-          <a:p>
-            <a:pPr>
-              <a:buNone/>
-            </a:pPr>
-            <a:r>
-              <a:rPr lang="en-US" sz="1800" dirty="0" smtClean="0"/>
-              <a:t>	</a:t>
-            </a:r>
-            <a:r>
-              <a:rPr lang="en-US" sz="1800" dirty="0" smtClean="0"/>
-              <a:t>	 </a:t>
-            </a:r>
-            <a:r>
-              <a:rPr lang="en-US" sz="1800" dirty="0" smtClean="0"/>
-              <a:t>try </a:t>
-            </a:r>
-            <a:endParaRPr lang="en-US" sz="1800" dirty="0" smtClean="0"/>
-          </a:p>
-          <a:p>
-            <a:pPr>
-              <a:buNone/>
-            </a:pPr>
-            <a:r>
-              <a:rPr lang="en-US" sz="1800" dirty="0" smtClean="0"/>
-              <a:t>	</a:t>
-            </a:r>
-            <a:r>
-              <a:rPr lang="en-US" sz="1800" dirty="0" smtClean="0"/>
-              <a:t>	{ 	</a:t>
+              <a:t>		{ 	</a:t>
             </a:r>
             <a:r>
               <a:rPr lang="en-US" sz="1200" dirty="0" smtClean="0"/>
-              <a:t>// </a:t>
-            </a:r>
-            <a:r>
-              <a:rPr lang="en-US" sz="1200" dirty="0" smtClean="0"/>
-              <a:t>Create an instance of </a:t>
+              <a:t>// Create an instance of </a:t>
             </a:r>
             <a:r>
               <a:rPr lang="en-US" sz="1200" dirty="0" err="1" smtClean="0"/>
@@ -4801,7 +6261,20 @@
             </a:r>
             <a:r>
               <a:rPr lang="en-US" sz="1200" dirty="0" smtClean="0"/>
-              <a:t> to read from a file</a:t>
+              <a:t> to read from a file.</a:t>
+            </a:r>
+          </a:p>
+          <a:p>
+            <a:pPr>
+              <a:buNone/>
+            </a:pPr>
+            <a:r>
+              <a:rPr lang="en-US" sz="1200" dirty="0" smtClean="0"/>
+              <a:t>			// The using statement also closes the </a:t>
+            </a:r>
+            <a:r>
+              <a:rPr lang="en-US" sz="1200" dirty="0" err="1" smtClean="0"/>
+              <a:t>StreamReader</a:t>
             </a:r>
             <a:r>
               <a:rPr lang="en-US" sz="1200" dirty="0" smtClean="0"/>
@@ -4813,32 +6286,6 @@
               <a:buNone/>
             </a:pPr>
             <a:r>
-              <a:rPr lang="en-US" sz="1200" dirty="0" smtClean="0"/>
-              <a:t>			// </a:t>
-            </a:r>
-            <a:r>
-              <a:rPr lang="en-US" sz="1200" dirty="0" smtClean="0"/>
-              <a:t>The using statement also closes </a:t>
-            </a:r>
-            <a:r>
-              <a:rPr lang="en-US" sz="1200" dirty="0" smtClean="0"/>
-              <a:t>the </a:t>
-            </a:r>
-            <a:r>
-              <a:rPr lang="en-US" sz="1200" dirty="0" err="1" smtClean="0"/>
-              <a:t>StreamReader</a:t>
-            </a:r>
-            <a:r>
-              <a:rPr lang="en-US" sz="1200" dirty="0" smtClean="0"/>
-              <a:t>.</a:t>
-            </a:r>
-            <a:endParaRPr lang="en-US" sz="1200" dirty="0" smtClean="0"/>
-          </a:p>
-          <a:p>
-            <a:pPr>
-              <a:buNone/>
-            </a:pPr>
-            <a:r>
               <a:rPr lang="en-US" sz="1800" dirty="0" smtClean="0"/>
               <a:t>			using(</a:t>
             </a:r>
@@ -4864,11 +6311,16 @@
             </a:r>
             <a:r>
               <a:rPr lang="en-US" sz="1800" dirty="0" smtClean="0"/>
-              <a:t>("TestFile.txt</a:t>
-            </a:r>
+              <a:t>("TestFile.txt"))</a:t>
+            </a:r>
+          </a:p>
+          <a:p>
+            <a:pPr>
+              <a:buNone/>
+            </a:pPr>
             <a:r>
               <a:rPr lang="en-US" sz="1800" dirty="0" smtClean="0"/>
-              <a:t>"))</a:t>
+              <a:t>			{ </a:t>
             </a:r>
           </a:p>
           <a:p>
@@ -4877,111 +6329,141 @@
             </a:pPr>
             <a:r>
               <a:rPr lang="en-US" sz="1800" dirty="0" smtClean="0"/>
-              <a:t>	</a:t>
-            </a:r>
+              <a:t>				String line; </a:t>
+            </a:r>
+            <a:r>
+              <a:rPr lang="en-US" sz="1200" dirty="0" smtClean="0"/>
+              <a:t>// Read and display lines from the file until the end of  the file is reached. </a:t>
+            </a:r>
+          </a:p>
+          <a:p>
+            <a:pPr>
+              <a:buNone/>
+            </a:pPr>
+            <a:r>
+              <a:rPr lang="en-US" sz="1200" dirty="0" smtClean="0"/>
+              <a:t>				</a:t>
+            </a:r>
+            <a:r>
+              <a:rPr lang="en-US" sz="1800" dirty="0" smtClean="0"/>
+              <a:t>while ((line = </a:t>
+            </a:r>
+            <a:r>
+              <a:rPr lang="en-US" sz="1800" dirty="0" err="1" smtClean="0"/>
+              <a:t>sr.ReadLine</a:t>
+            </a:r>
+            <a:r>
+              <a:rPr lang="en-US" sz="1800" dirty="0" smtClean="0"/>
+              <a:t>()) != null) </a:t>
+            </a:r>
+          </a:p>
+          <a:p>
+            <a:pPr>
+              <a:buNone/>
+            </a:pPr>
+            <a:r>
+              <a:rPr lang="en-US" sz="1800" dirty="0" smtClean="0"/>
+              <a:t>				{</a:t>
+            </a:r>
+          </a:p>
+          <a:p>
+            <a:pPr>
+              <a:buNone/>
+            </a:pPr>
+            <a:r>
+              <a:rPr lang="en-US" sz="1800" dirty="0" smtClean="0"/>
+              <a:t>					</a:t>
+            </a:r>
+            <a:r>
+              <a:rPr lang="en-US" sz="1800" dirty="0" err="1" smtClean="0"/>
+              <a:t>Console.WriteLine</a:t>
+            </a:r>
+            <a:r>
+              <a:rPr lang="en-US" sz="1800" dirty="0" smtClean="0"/>
+              <a:t>(line); </a:t>
+            </a:r>
+          </a:p>
+          <a:p>
+            <a:pPr>
+              <a:buNone/>
+            </a:pPr>
+            <a:r>
+              <a:rPr lang="en-US" sz="1800" dirty="0" smtClean="0"/>
+              <a:t>				}</a:t>
+            </a:r>
+          </a:p>
+          <a:p>
+            <a:pPr>
+              <a:buNone/>
+            </a:pPr>
+            <a:r>
+              <a:rPr lang="en-US" sz="1800" dirty="0" smtClean="0"/>
+              <a:t>	 		} </a:t>
+            </a:r>
+          </a:p>
+          <a:p>
+            <a:pPr>
+              <a:buNone/>
+            </a:pPr>
+            <a:r>
+              <a:rPr lang="en-US" sz="1800" dirty="0" smtClean="0"/>
+              <a:t>		} </a:t>
+            </a:r>
+          </a:p>
+          <a:p>
+            <a:pPr>
+              <a:buNone/>
+            </a:pPr>
+            <a:r>
+              <a:rPr lang="en-US" sz="1800" dirty="0" smtClean="0"/>
+              <a:t>		catch (Exception e) </a:t>
+            </a:r>
+          </a:p>
+          <a:p>
+            <a:pPr>
+              <a:buNone/>
+            </a:pPr>
             <a:r>
               <a:rPr lang="en-US" sz="1800" dirty="0" smtClean="0"/>
               <a:t>		{ </a:t>
             </a:r>
-          </a:p>
-          <a:p>
-            <a:pPr>
-              <a:buNone/>
-            </a:pPr>
-            <a:r>
-              <a:rPr lang="en-US" sz="1800" dirty="0" smtClean="0"/>
-              <a:t>	</a:t>
-            </a:r>
-            <a:r>
-              <a:rPr lang="en-US" sz="1800" dirty="0" smtClean="0"/>
-              <a:t>			String </a:t>
-            </a:r>
-            <a:r>
-              <a:rPr lang="en-US" sz="1800" dirty="0" smtClean="0"/>
-              <a:t>line; </a:t>
-            </a:r>
             <a:r>
               <a:rPr lang="en-US" sz="1200" dirty="0" smtClean="0"/>
-              <a:t>// Read and display lines from the file until the end of </a:t>
-            </a:r>
-            <a:r>
-              <a:rPr lang="en-US" sz="1200" dirty="0" smtClean="0"/>
-              <a:t> </a:t>
-            </a:r>
-            <a:r>
-              <a:rPr lang="en-US" sz="1200" dirty="0" smtClean="0"/>
-              <a:t>the file is reached. </a:t>
-            </a:r>
-            <a:endParaRPr lang="en-US" sz="1200" dirty="0" smtClean="0"/>
-          </a:p>
-          <a:p>
-            <a:pPr>
-              <a:buNone/>
-            </a:pPr>
-            <a:r>
-              <a:rPr lang="en-US" sz="1200" dirty="0" smtClean="0"/>
-              <a:t>	</a:t>
-            </a:r>
+              <a:t>// Let the user know what went wrong. </a:t>
+            </a:r>
+          </a:p>
+          <a:p>
+            <a:pPr>
+              <a:buNone/>
+            </a:pPr>
             <a:r>
               <a:rPr lang="en-US" sz="1200" dirty="0" smtClean="0"/>
               <a:t>			</a:t>
             </a:r>
             <a:r>
-              <a:rPr lang="en-US" sz="1800" dirty="0" smtClean="0"/>
-              <a:t>while </a:t>
-            </a:r>
-            <a:r>
-              <a:rPr lang="en-US" sz="1800" dirty="0" smtClean="0"/>
-              <a:t>((line = </a:t>
-            </a:r>
-            <a:r>
-              <a:rPr lang="en-US" sz="1800" dirty="0" err="1" smtClean="0"/>
-              <a:t>sr.ReadLine</a:t>
-            </a:r>
-            <a:r>
-              <a:rPr lang="en-US" sz="1800" dirty="0" smtClean="0"/>
-              <a:t>()) != null) </a:t>
-            </a:r>
-            <a:endParaRPr lang="en-US" sz="1800" dirty="0" smtClean="0"/>
-          </a:p>
-          <a:p>
-            <a:pPr>
-              <a:buNone/>
-            </a:pPr>
-            <a:r>
-              <a:rPr lang="en-US" sz="1800" dirty="0" smtClean="0"/>
-              <a:t>	</a:t>
-            </a:r>
-            <a:r>
-              <a:rPr lang="en-US" sz="1800" dirty="0" smtClean="0"/>
-              <a:t>			{</a:t>
-            </a:r>
-          </a:p>
-          <a:p>
-            <a:pPr>
-              <a:buNone/>
-            </a:pPr>
-            <a:r>
-              <a:rPr lang="en-US" sz="1800" dirty="0" smtClean="0"/>
-              <a:t>	</a:t>
-            </a:r>
-            <a:r>
-              <a:rPr lang="en-US" sz="1800" dirty="0" smtClean="0"/>
-              <a:t>				</a:t>
-            </a:r>
-            <a:r>
               <a:rPr lang="en-US" sz="1800" dirty="0" err="1" smtClean="0"/>
               <a:t>Console.WriteLine</a:t>
             </a:r>
             <a:r>
               <a:rPr lang="en-US" sz="1800" dirty="0" smtClean="0"/>
-              <a:t>(line</a:t>
+              <a:t>("The file could not be read:"); 					</a:t>
+            </a:r>
+            <a:r>
+              <a:rPr lang="en-US" sz="1800" dirty="0" err="1" smtClean="0"/>
+              <a:t>Console.WriteLine</a:t>
+            </a:r>
+            <a:r>
+              <a:rPr lang="en-US" sz="1800" dirty="0" smtClean="0"/>
+              <a:t>(</a:t>
+            </a:r>
+            <a:r>
+              <a:rPr lang="en-US" sz="1800" dirty="0" err="1" smtClean="0"/>
+              <a:t>e.Message</a:t>
             </a:r>
             <a:r>
               <a:rPr lang="en-US" sz="1800" dirty="0" smtClean="0"/>
               <a:t>); </a:t>
             </a:r>
-            <a:endParaRPr lang="en-US" sz="1800" dirty="0" smtClean="0"/>
           </a:p>
           <a:p>
             <a:pPr>
@@ -4989,116 +6471,7 @@
             </a:pPr>
             <a:r>
               <a:rPr lang="en-US" sz="1800" dirty="0" smtClean="0"/>
-              <a:t>	</a:t>
-            </a:r>
-            <a:r>
-              <a:rPr lang="en-US" sz="1800" dirty="0" smtClean="0"/>
-              <a:t>			}</a:t>
-            </a:r>
-          </a:p>
-          <a:p>
-            <a:pPr>
-              <a:buNone/>
-            </a:pPr>
-            <a:r>
-              <a:rPr lang="en-US" sz="1800" dirty="0" smtClean="0"/>
-              <a:t>	</a:t>
-            </a:r>
-            <a:r>
-              <a:rPr lang="en-US" sz="1800" dirty="0" smtClean="0"/>
-              <a:t> 		} </a:t>
-            </a:r>
-          </a:p>
-          <a:p>
-            <a:pPr>
-              <a:buNone/>
-            </a:pPr>
-            <a:r>
-              <a:rPr lang="en-US" sz="1800" dirty="0" smtClean="0"/>
-              <a:t>		} </a:t>
-            </a:r>
-          </a:p>
-          <a:p>
-            <a:pPr>
-              <a:buNone/>
-            </a:pPr>
-            <a:r>
-              <a:rPr lang="en-US" sz="1800" dirty="0" smtClean="0"/>
-              <a:t>		catch </a:t>
-            </a:r>
-            <a:r>
-              <a:rPr lang="en-US" sz="1800" dirty="0" smtClean="0"/>
-              <a:t>(Exception e) </a:t>
-            </a:r>
-            <a:endParaRPr lang="en-US" sz="1800" dirty="0" smtClean="0"/>
-          </a:p>
-          <a:p>
-            <a:pPr>
-              <a:buNone/>
-            </a:pPr>
-            <a:r>
-              <a:rPr lang="en-US" sz="1800" dirty="0" smtClean="0"/>
-              <a:t>		{ </a:t>
-            </a:r>
-            <a:r>
-              <a:rPr lang="en-US" sz="1200" dirty="0" smtClean="0"/>
-              <a:t>// Let the user know what went wrong. </a:t>
-            </a:r>
-            <a:endParaRPr lang="en-US" sz="1200" dirty="0" smtClean="0"/>
-          </a:p>
-          <a:p>
-            <a:pPr>
-              <a:buNone/>
-            </a:pPr>
-            <a:r>
-              <a:rPr lang="en-US" sz="1200" dirty="0" smtClean="0"/>
-              <a:t>	</a:t>
-            </a:r>
-            <a:r>
-              <a:rPr lang="en-US" sz="1200" dirty="0" smtClean="0"/>
-              <a:t>		</a:t>
-            </a:r>
-            <a:r>
-              <a:rPr lang="en-US" sz="1800" dirty="0" err="1" smtClean="0"/>
-              <a:t>Console.WriteLine</a:t>
-            </a:r>
-            <a:r>
-              <a:rPr lang="en-US" sz="1800" dirty="0" smtClean="0"/>
-              <a:t>("The file could not be read:"); </a:t>
-            </a:r>
-            <a:r>
-              <a:rPr lang="en-US" sz="1800" dirty="0" smtClean="0"/>
-              <a:t>					</a:t>
-            </a:r>
-            <a:r>
-              <a:rPr lang="en-US" sz="1800" dirty="0" err="1" smtClean="0"/>
-              <a:t>Console.WriteLine</a:t>
-            </a:r>
-            <a:r>
-              <a:rPr lang="en-US" sz="1800" dirty="0" smtClean="0"/>
-              <a:t>(</a:t>
-            </a:r>
-            <a:r>
-              <a:rPr lang="en-US" sz="1800" dirty="0" err="1" smtClean="0"/>
-              <a:t>e.Message</a:t>
-            </a:r>
-            <a:r>
-              <a:rPr lang="en-US" sz="1800" dirty="0" smtClean="0"/>
-              <a:t>); </a:t>
-            </a:r>
-            <a:endParaRPr lang="en-US" sz="1800" dirty="0" smtClean="0"/>
-          </a:p>
-          <a:p>
-            <a:pPr>
-              <a:buNone/>
-            </a:pPr>
-            <a:r>
-              <a:rPr lang="en-US" sz="1800" dirty="0" smtClean="0"/>
-              <a:t>	</a:t>
-            </a:r>
-            <a:r>
-              <a:rPr lang="en-US" sz="1800" dirty="0" smtClean="0"/>
-              <a:t>	}</a:t>
+              <a:t>		}</a:t>
             </a:r>
           </a:p>
           <a:p>

--- a/trunk/OOPExam/04 File IO, Object Streams and Exceptions.pptx
+++ b/trunk/OOPExam/04 File IO, Object Streams and Exceptions.pptx
@@ -15,8 +15,8 @@
     <p:sldId id="258" r:id="rId6"/>
     <p:sldId id="264" r:id="rId7"/>
     <p:sldId id="262" r:id="rId8"/>
-    <p:sldId id="260" r:id="rId9"/>
-    <p:sldId id="263" r:id="rId10"/>
+    <p:sldId id="265" r:id="rId9"/>
+    <p:sldId id="266" r:id="rId10"/>
   </p:sldIdLst>
   <p:sldSz cx="9144000" cy="6858000" type="screen4x3"/>
   <p:notesSz cx="6858000" cy="9144000"/>
@@ -1783,6 +1783,207 @@
               <a:rPr lang="en-US" smtClean="0"/>
               <a:pPr/>
               <a:t>6</a:t>
+            </a:fld>
+            <a:endParaRPr lang="en-US"/>
+          </a:p>
+        </p:txBody>
+      </p:sp>
+    </p:spTree>
+  </p:cSld>
+  <p:clrMapOvr>
+    <a:masterClrMapping/>
+  </p:clrMapOvr>
+</p:notes>
+</file>
+
+<file path=ppt/notesSlides/notesSlide7.xml><?xml version="1.0" encoding="utf-8"?>
+<p:notes xmlns:a="http://schemas.openxmlformats.org/drawingml/2006/main" xmlns:r="http://schemas.openxmlformats.org/officeDocument/2006/relationships" xmlns:p="http://schemas.openxmlformats.org/presentationml/2006/main">
+  <p:cSld>
+    <p:spTree>
+      <p:nvGrpSpPr>
+        <p:cNvPr id="1" name=""/>
+        <p:cNvGrpSpPr/>
+        <p:nvPr/>
+      </p:nvGrpSpPr>
+      <p:grpSpPr>
+        <a:xfrm>
+          <a:off x="0" y="0"/>
+          <a:ext cx="0" cy="0"/>
+          <a:chOff x="0" y="0"/>
+          <a:chExt cx="0" cy="0"/>
+        </a:xfrm>
+      </p:grpSpPr>
+      <p:sp>
+        <p:nvSpPr>
+          <p:cNvPr id="2" name="Pladsholder til diasbillede 1"/>
+          <p:cNvSpPr>
+            <a:spLocks noGrp="1" noRot="1" noChangeAspect="1"/>
+          </p:cNvSpPr>
+          <p:nvPr>
+            <p:ph type="sldImg"/>
+          </p:nvPr>
+        </p:nvSpPr>
+        <p:spPr/>
+      </p:sp>
+      <p:sp>
+        <p:nvSpPr>
+          <p:cNvPr id="3" name="Pladsholder til noter 2"/>
+          <p:cNvSpPr>
+            <a:spLocks noGrp="1"/>
+          </p:cNvSpPr>
+          <p:nvPr>
+            <p:ph type="body" idx="1"/>
+          </p:nvPr>
+        </p:nvSpPr>
+        <p:spPr/>
+        <p:txBody>
+          <a:bodyPr>
+            <a:normAutofit/>
+          </a:bodyPr>
+          <a:lstStyle/>
+          <a:p>
+            <a:pPr marL="0" marR="0" indent="0" algn="l" defTabSz="914400" rtl="0" eaLnBrk="1" fontAlgn="auto" latinLnBrk="0" hangingPunct="1">
+              <a:lnSpc>
+                <a:spcPct val="100000"/>
+              </a:lnSpc>
+              <a:spcBef>
+                <a:spcPts val="0"/>
+              </a:spcBef>
+              <a:spcAft>
+                <a:spcPts val="0"/>
+              </a:spcAft>
+              <a:buClrTx/>
+              <a:buSzTx/>
+              <a:buFontTx/>
+              <a:buNone/>
+              <a:tabLst/>
+              <a:defRPr/>
+            </a:pPr>
+            <a:r>
+              <a:rPr lang="en-US" dirty="0" smtClean="0"/>
+              <a:t>Our application uses list to contain the cards and the </a:t>
+            </a:r>
+            <a:r>
+              <a:rPr lang="en-US" dirty="0" err="1" smtClean="0"/>
+              <a:t>foreach</a:t>
+            </a:r>
+            <a:r>
+              <a:rPr lang="en-US" dirty="0" smtClean="0"/>
+              <a:t> statement to manage the cards</a:t>
+            </a:r>
+          </a:p>
+          <a:p>
+            <a:pPr marL="0" marR="0" indent="0" algn="l" defTabSz="914400" rtl="0" eaLnBrk="1" fontAlgn="auto" latinLnBrk="0" hangingPunct="1">
+              <a:lnSpc>
+                <a:spcPct val="100000"/>
+              </a:lnSpc>
+              <a:spcBef>
+                <a:spcPts val="0"/>
+              </a:spcBef>
+              <a:spcAft>
+                <a:spcPts val="0"/>
+              </a:spcAft>
+              <a:buClrTx/>
+              <a:buSzTx/>
+              <a:buFontTx/>
+              <a:buNone/>
+              <a:tabLst/>
+              <a:defRPr/>
+            </a:pPr>
+            <a:endParaRPr lang="en-US" dirty="0" smtClean="0"/>
+          </a:p>
+          <a:p>
+            <a:pPr marL="0" marR="0" indent="0" algn="l" defTabSz="914400" rtl="0" eaLnBrk="1" fontAlgn="auto" latinLnBrk="0" hangingPunct="1">
+              <a:lnSpc>
+                <a:spcPct val="100000"/>
+              </a:lnSpc>
+              <a:spcBef>
+                <a:spcPts val="0"/>
+              </a:spcBef>
+              <a:spcAft>
+                <a:spcPts val="0"/>
+              </a:spcAft>
+              <a:buClrTx/>
+              <a:buSzTx/>
+              <a:buFontTx/>
+              <a:buNone/>
+              <a:tabLst/>
+              <a:defRPr/>
+            </a:pPr>
+            <a:r>
+              <a:rPr lang="en-US" dirty="0" smtClean="0"/>
+              <a:t>Our application contains a</a:t>
+            </a:r>
+            <a:r>
+              <a:rPr lang="en-US" baseline="0" dirty="0" smtClean="0"/>
+              <a:t> simple card class, and a deck class.</a:t>
+            </a:r>
+          </a:p>
+          <a:p>
+            <a:pPr marL="0" marR="0" indent="0" algn="l" defTabSz="914400" rtl="0" eaLnBrk="1" fontAlgn="auto" latinLnBrk="0" hangingPunct="1">
+              <a:lnSpc>
+                <a:spcPct val="100000"/>
+              </a:lnSpc>
+              <a:spcBef>
+                <a:spcPts val="0"/>
+              </a:spcBef>
+              <a:spcAft>
+                <a:spcPts val="0"/>
+              </a:spcAft>
+              <a:buClrTx/>
+              <a:buSzTx/>
+              <a:buFontTx/>
+              <a:buNone/>
+              <a:tabLst/>
+              <a:defRPr/>
+            </a:pPr>
+            <a:endParaRPr lang="en-US" baseline="0" dirty="0" smtClean="0"/>
+          </a:p>
+          <a:p>
+            <a:pPr marL="0" marR="0" indent="0" algn="l" defTabSz="914400" rtl="0" eaLnBrk="1" fontAlgn="auto" latinLnBrk="0" hangingPunct="1">
+              <a:lnSpc>
+                <a:spcPct val="100000"/>
+              </a:lnSpc>
+              <a:spcBef>
+                <a:spcPts val="0"/>
+              </a:spcBef>
+              <a:spcAft>
+                <a:spcPts val="0"/>
+              </a:spcAft>
+              <a:buClrTx/>
+              <a:buSzTx/>
+              <a:buFontTx/>
+              <a:buNone/>
+              <a:tabLst/>
+              <a:defRPr/>
+            </a:pPr>
+            <a:r>
+              <a:rPr lang="en-US" baseline="0" dirty="0" smtClean="0"/>
+              <a:t>A deck of cards is a list that contains objects of the type card.</a:t>
+            </a:r>
+            <a:endParaRPr lang="en-US" baseline="0" dirty="0" smtClean="0"/>
+          </a:p>
+        </p:txBody>
+      </p:sp>
+      <p:sp>
+        <p:nvSpPr>
+          <p:cNvPr id="4" name="Pladsholder til diasnummer 3"/>
+          <p:cNvSpPr>
+            <a:spLocks noGrp="1"/>
+          </p:cNvSpPr>
+          <p:nvPr>
+            <p:ph type="sldNum" sz="quarter" idx="10"/>
+          </p:nvPr>
+        </p:nvSpPr>
+        <p:spPr/>
+        <p:txBody>
+          <a:bodyPr/>
+          <a:lstStyle/>
+          <a:p>
+            <a:fld id="{6C3390C7-C92A-440B-B67D-36FF6D2DBAFD}" type="slidenum">
+              <a:rPr lang="en-US" smtClean="0"/>
+              <a:pPr/>
+              <a:t>9</a:t>
             </a:fld>
             <a:endParaRPr lang="en-US"/>
           </a:p>
@@ -6558,7 +6759,7 @@
       </p:sp>
       <p:sp>
         <p:nvSpPr>
-          <p:cNvPr id="3" name="Content Placeholder 2"/>
+          <p:cNvPr id="4" name="Content Placeholder 2"/>
           <p:cNvSpPr>
             <a:spLocks noGrp="1"/>
           </p:cNvSpPr>
@@ -6571,10 +6772,73 @@
           <a:bodyPr/>
           <a:lstStyle/>
           <a:p>
-            <a:endParaRPr lang="da-DK"/>
-          </a:p>
-        </p:txBody>
-      </p:sp>
+            <a:r>
+              <a:rPr lang="da-DK" dirty="0" smtClean="0"/>
+              <a:t>Black Jack Game</a:t>
+            </a:r>
+          </a:p>
+          <a:p>
+            <a:endParaRPr lang="da-DK" dirty="0" smtClean="0"/>
+          </a:p>
+          <a:p>
+            <a:r>
+              <a:rPr lang="da-DK" dirty="0" smtClean="0"/>
+              <a:t>Log</a:t>
+            </a:r>
+          </a:p>
+          <a:p>
+            <a:r>
+              <a:rPr lang="da-DK" dirty="0" smtClean="0"/>
+              <a:t>Save Log</a:t>
+            </a:r>
+          </a:p>
+          <a:p>
+            <a:r>
+              <a:rPr lang="da-DK" dirty="0" err="1" smtClean="0"/>
+              <a:t>Betting</a:t>
+            </a:r>
+            <a:endParaRPr lang="da-DK" dirty="0" smtClean="0"/>
+          </a:p>
+          <a:p>
+            <a:r>
+              <a:rPr lang="da-DK" dirty="0" smtClean="0"/>
+              <a:t>Hit</a:t>
+            </a:r>
+          </a:p>
+          <a:p>
+            <a:r>
+              <a:rPr lang="da-DK" dirty="0" smtClean="0"/>
+              <a:t>Stand</a:t>
+            </a:r>
+          </a:p>
+        </p:txBody>
+      </p:sp>
+      <p:pic>
+        <p:nvPicPr>
+          <p:cNvPr id="5" name="Picture 2" descr="C:\Users\Martin\Desktop\Personal\Civil 3 Semester\projectwork\OOPExam\appScreenshot.png"/>
+          <p:cNvPicPr>
+            <a:picLocks noChangeAspect="1" noChangeArrowheads="1"/>
+          </p:cNvPicPr>
+          <p:nvPr/>
+        </p:nvPicPr>
+        <p:blipFill>
+          <a:blip r:embed="rId2" cstate="print"/>
+          <a:srcRect/>
+          <a:stretch>
+            <a:fillRect/>
+          </a:stretch>
+        </p:blipFill>
+        <p:spPr bwMode="auto">
+          <a:xfrm>
+            <a:off x="2714612" y="2357430"/>
+            <a:ext cx="6207028" cy="3430838"/>
+          </a:xfrm>
+          <a:prstGeom prst="rect">
+            <a:avLst/>
+          </a:prstGeom>
+          <a:noFill/>
+        </p:spPr>
+      </p:pic>
     </p:spTree>
   </p:cSld>
   <p:clrMapOvr>
@@ -6633,7 +6897,7 @@
       </p:sp>
       <p:sp>
         <p:nvSpPr>
-          <p:cNvPr id="3" name="Content Placeholder 2"/>
+          <p:cNvPr id="4" name="Content Placeholder 2"/>
           <p:cNvSpPr>
             <a:spLocks noGrp="1"/>
           </p:cNvSpPr>
@@ -6646,10 +6910,80 @@
           <a:bodyPr/>
           <a:lstStyle/>
           <a:p>
-            <a:endParaRPr lang="da-DK"/>
-          </a:p>
-        </p:txBody>
-      </p:sp>
+            <a:r>
+              <a:rPr lang="en-US" dirty="0" smtClean="0"/>
+              <a:t>List and </a:t>
+            </a:r>
+            <a:r>
+              <a:rPr lang="en-US" dirty="0" err="1" smtClean="0"/>
+              <a:t>foreach</a:t>
+            </a:r>
+            <a:r>
+              <a:rPr lang="en-US" dirty="0" smtClean="0"/>
+              <a:t> in our application</a:t>
+            </a:r>
+            <a:endParaRPr lang="en-US" dirty="0"/>
+          </a:p>
+        </p:txBody>
+      </p:sp>
+      <p:pic>
+        <p:nvPicPr>
+          <p:cNvPr id="5" name="Picture 4"/>
+          <p:cNvPicPr>
+            <a:picLocks noChangeAspect="1" noChangeArrowheads="1"/>
+          </p:cNvPicPr>
+          <p:nvPr/>
+        </p:nvPicPr>
+        <p:blipFill>
+          <a:blip r:embed="rId3" cstate="print"/>
+          <a:srcRect/>
+          <a:stretch>
+            <a:fillRect/>
+          </a:stretch>
+        </p:blipFill>
+        <p:spPr bwMode="auto">
+          <a:xfrm>
+            <a:off x="500034" y="2500306"/>
+            <a:ext cx="6219825" cy="2981325"/>
+          </a:xfrm>
+          <a:prstGeom prst="rect">
+            <a:avLst/>
+          </a:prstGeom>
+          <a:noFill/>
+          <a:ln w="9525">
+            <a:noFill/>
+            <a:miter lim="800000"/>
+            <a:headEnd/>
+            <a:tailEnd/>
+          </a:ln>
+        </p:spPr>
+      </p:pic>
+      <p:pic>
+        <p:nvPicPr>
+          <p:cNvPr id="6" name="Picture 2" descr="C:\Users\Martin\Desktop\Personal\Civil 3 Semester\projectwork\OOPExam\classDiagram.png"/>
+          <p:cNvPicPr>
+            <a:picLocks noChangeAspect="1" noChangeArrowheads="1"/>
+          </p:cNvPicPr>
+          <p:nvPr/>
+        </p:nvPicPr>
+        <p:blipFill>
+          <a:blip r:embed="rId4" cstate="print"/>
+          <a:srcRect/>
+          <a:stretch>
+            <a:fillRect/>
+          </a:stretch>
+        </p:blipFill>
+        <p:spPr bwMode="auto">
+          <a:xfrm>
+            <a:off x="5072066" y="2071678"/>
+            <a:ext cx="4071934" cy="2571768"/>
+          </a:xfrm>
+          <a:prstGeom prst="rect">
+            <a:avLst/>
+          </a:prstGeom>
+          <a:noFill/>
+        </p:spPr>
+      </p:pic>
     </p:spTree>
   </p:cSld>
   <p:clrMapOvr>
